--- a/ENGIN_270K_Coaching/Module_1/E270K_Module_1.pptx
+++ b/ENGIN_270K_Coaching/Module_1/E270K_Module_1.pptx
@@ -289,6 +289,11 @@
       </a:defRPr>
     </a:lvl9pPr>
   </p:defaultTextStyle>
+  <p:extLst>
+    <p:ext uri="{EFAFB233-063F-42B5-8137-9DF3F51BA10A}">
+      <p15:sldGuideLst xmlns:p15="http://schemas.microsoft.com/office/powerpoint/2012/main"/>
+    </p:ext>
+  </p:extLst>
 </p:presentation>
 </file>
 
@@ -2738,7 +2743,7 @@
         </p:nvSpPr>
         <p:spPr>
           <a:xfrm>
-            <a:off x="381300" y="685800"/>
+            <a:off x="381000" y="685800"/>
             <a:ext cx="6096000" cy="3429000"/>
           </a:xfrm>
           <a:custGeom>
@@ -22590,7 +22595,13 @@
         <p:nvGraphicFramePr>
           <p:cNvPr id="108" name="Google Shape;108;p20"/>
           <p:cNvGraphicFramePr/>
-          <p:nvPr/>
+          <p:nvPr>
+            <p:extLst>
+              <p:ext uri="{D42A27DB-BD31-4B8C-83A1-F6EECF244321}">
+                <p14:modId xmlns:p14="http://schemas.microsoft.com/office/powerpoint/2010/main" val="1382065176"/>
+              </p:ext>
+            </p:extLst>
+          </p:nvPr>
         </p:nvGraphicFramePr>
         <p:xfrm>
           <a:off x="247388" y="476550"/>
@@ -23017,7 +23028,15 @@
                         </a:spcAft>
                         <a:buNone/>
                       </a:pPr>
-                      <a:endParaRPr sz="1200" dirty="0"/>
+                      <a:r>
+                        <a:rPr lang="es-CL" sz="1050" dirty="0"/>
+                        <a:t>Carlos </a:t>
+                      </a:r>
+                      <a:r>
+                        <a:rPr lang="es-CL" sz="1050" dirty="0" err="1"/>
+                        <a:t>Nunez</a:t>
+                      </a:r>
+                      <a:endParaRPr sz="1050" dirty="0"/>
                     </a:p>
                   </a:txBody>
                   <a:tcPr marL="91425" marR="91425" marT="91425" marB="91425">
@@ -23067,16 +23086,95 @@
                     <a:bodyPr/>
                     <a:lstStyle/>
                     <a:p>
-                      <a:pPr marL="457200" lvl="0" indent="0" algn="l" rtl="0">
+                      <a:pPr marL="628650" lvl="0" indent="-171450" algn="l" rtl="0">
                         <a:spcBef>
                           <a:spcPts val="0"/>
                         </a:spcBef>
                         <a:spcAft>
                           <a:spcPts val="0"/>
                         </a:spcAft>
-                        <a:buNone/>
+                        <a:buFont typeface="Arial" panose="020B0604020202020204" pitchFamily="34" charset="0"/>
+                        <a:buChar char="•"/>
                       </a:pPr>
-                      <a:endParaRPr sz="1200"/>
+                      <a:r>
+                        <a:rPr lang="es-CL" sz="1000" dirty="0" err="1"/>
+                        <a:t>Technical</a:t>
+                      </a:r>
+                      <a:r>
+                        <a:rPr lang="es-CL" sz="1000" dirty="0"/>
+                        <a:t> </a:t>
+                      </a:r>
+                      <a:r>
+                        <a:rPr lang="es-CL" sz="1000" dirty="0" err="1"/>
+                        <a:t>Expertise</a:t>
+                      </a:r>
+                      <a:r>
+                        <a:rPr lang="es-CL" sz="1000" dirty="0"/>
+                        <a:t> (Python </a:t>
+                      </a:r>
+                      <a:r>
+                        <a:rPr lang="es-CL" sz="1000" dirty="0" err="1"/>
+                        <a:t>Programming</a:t>
+                      </a:r>
+                      <a:r>
+                        <a:rPr lang="es-CL" sz="1000" dirty="0"/>
+                        <a:t>)</a:t>
+                      </a:r>
+                    </a:p>
+                    <a:p>
+                      <a:pPr marL="628650" lvl="0" indent="-171450" algn="l" rtl="0">
+                        <a:spcBef>
+                          <a:spcPts val="0"/>
+                        </a:spcBef>
+                        <a:spcAft>
+                          <a:spcPts val="0"/>
+                        </a:spcAft>
+                        <a:buFont typeface="Arial" panose="020B0604020202020204" pitchFamily="34" charset="0"/>
+                        <a:buChar char="•"/>
+                      </a:pPr>
+                      <a:r>
+                        <a:rPr lang="es-CL" sz="1000" dirty="0" err="1"/>
+                        <a:t>Analytical</a:t>
+                      </a:r>
+                      <a:r>
+                        <a:rPr lang="es-CL" sz="1000" dirty="0"/>
+                        <a:t> </a:t>
+                      </a:r>
+                      <a:r>
+                        <a:rPr lang="es-CL" sz="1000" dirty="0" err="1"/>
+                        <a:t>Thinking</a:t>
+                      </a:r>
+                      <a:endParaRPr lang="es-CL" sz="1000" dirty="0"/>
+                    </a:p>
+                    <a:p>
+                      <a:pPr marL="628650" lvl="0" indent="-171450" algn="l" rtl="0">
+                        <a:spcBef>
+                          <a:spcPts val="0"/>
+                        </a:spcBef>
+                        <a:spcAft>
+                          <a:spcPts val="0"/>
+                        </a:spcAft>
+                        <a:buFont typeface="Arial" panose="020B0604020202020204" pitchFamily="34" charset="0"/>
+                        <a:buChar char="•"/>
+                      </a:pPr>
+                      <a:r>
+                        <a:rPr lang="es-CL" sz="1000" dirty="0" err="1"/>
+                        <a:t>Curiosity</a:t>
+                      </a:r>
+                      <a:endParaRPr lang="es-CL" sz="1000" dirty="0"/>
+                    </a:p>
+                    <a:p>
+                      <a:pPr marL="628650" lvl="0" indent="-171450" algn="l" rtl="0">
+                        <a:spcBef>
+                          <a:spcPts val="0"/>
+                        </a:spcBef>
+                        <a:spcAft>
+                          <a:spcPts val="0"/>
+                        </a:spcAft>
+                        <a:buFont typeface="Arial" panose="020B0604020202020204" pitchFamily="34" charset="0"/>
+                        <a:buChar char="•"/>
+                      </a:pPr>
+                      <a:endParaRPr sz="1200" dirty="0"/>
                     </a:p>
                   </a:txBody>
                   <a:tcPr marL="91425" marR="91425" marT="91425" marB="91425">
@@ -23126,16 +23224,269 @@
                     <a:bodyPr/>
                     <a:lstStyle/>
                     <a:p>
-                      <a:pPr marL="457200" lvl="0" indent="0" algn="l" rtl="0">
+                      <a:pPr marL="742950" lvl="0" indent="-285750" algn="l" rtl="0">
                         <a:spcBef>
                           <a:spcPts val="0"/>
                         </a:spcBef>
                         <a:spcAft>
                           <a:spcPts val="0"/>
                         </a:spcAft>
-                        <a:buNone/>
+                        <a:buFont typeface="Arial" panose="020B0604020202020204" pitchFamily="34" charset="0"/>
+                        <a:buChar char="•"/>
                       </a:pPr>
-                      <a:endParaRPr/>
+                      <a:r>
+                        <a:rPr lang="es-CL" sz="1000" dirty="0" err="1"/>
+                        <a:t>Communication</a:t>
+                      </a:r>
+                      <a:r>
+                        <a:rPr lang="es-CL" sz="1000" dirty="0"/>
+                        <a:t> (</a:t>
+                      </a:r>
+                      <a:r>
+                        <a:rPr lang="es-CL" sz="1000" dirty="0" err="1"/>
+                        <a:t>Sharing</a:t>
+                      </a:r>
+                      <a:r>
+                        <a:rPr lang="es-CL" sz="1000" dirty="0"/>
+                        <a:t> </a:t>
+                      </a:r>
+                      <a:r>
+                        <a:rPr lang="es-CL" sz="1000" dirty="0" err="1"/>
+                        <a:t>progress</a:t>
+                      </a:r>
+                      <a:r>
+                        <a:rPr lang="es-CL" sz="1000" dirty="0"/>
+                        <a:t> and </a:t>
+                      </a:r>
+                      <a:r>
+                        <a:rPr lang="es-CL" sz="1000" dirty="0" err="1"/>
+                        <a:t>dificulties</a:t>
+                      </a:r>
+                      <a:r>
+                        <a:rPr lang="es-CL" sz="1000" dirty="0"/>
+                        <a:t>)</a:t>
+                      </a:r>
+                    </a:p>
+                    <a:p>
+                      <a:pPr marL="742950" lvl="0" indent="-285750" algn="l" rtl="0">
+                        <a:spcBef>
+                          <a:spcPts val="0"/>
+                        </a:spcBef>
+                        <a:spcAft>
+                          <a:spcPts val="0"/>
+                        </a:spcAft>
+                        <a:buFont typeface="Arial" panose="020B0604020202020204" pitchFamily="34" charset="0"/>
+                        <a:buChar char="•"/>
+                      </a:pPr>
+                      <a:r>
+                        <a:rPr lang="es-CL" sz="1000" dirty="0" err="1"/>
+                        <a:t>Productivity</a:t>
+                      </a:r>
+                      <a:r>
+                        <a:rPr lang="es-CL" sz="1000" dirty="0"/>
+                        <a:t> (</a:t>
+                      </a:r>
+                      <a:r>
+                        <a:rPr lang="es-CL" sz="1000" dirty="0" err="1"/>
+                        <a:t>Losing</a:t>
+                      </a:r>
+                      <a:r>
+                        <a:rPr lang="es-CL" sz="1000" dirty="0"/>
+                        <a:t> a </a:t>
+                      </a:r>
+                      <a:r>
+                        <a:rPr lang="es-CL" sz="1000" dirty="0" err="1"/>
+                        <a:t>lot</a:t>
+                      </a:r>
+                      <a:r>
+                        <a:rPr lang="es-CL" sz="1000" dirty="0"/>
+                        <a:t> </a:t>
+                      </a:r>
+                      <a:r>
+                        <a:rPr lang="es-CL" sz="1000" dirty="0" err="1"/>
+                        <a:t>of</a:t>
+                      </a:r>
+                      <a:r>
+                        <a:rPr lang="es-CL" sz="1000" dirty="0"/>
+                        <a:t> time in trivial </a:t>
+                      </a:r>
+                      <a:r>
+                        <a:rPr lang="es-CL" sz="1000" dirty="0" err="1"/>
+                        <a:t>aspects</a:t>
+                      </a:r>
+                      <a:r>
+                        <a:rPr lang="es-CL" sz="1000" dirty="0"/>
+                        <a:t> </a:t>
+                      </a:r>
+                      <a:r>
+                        <a:rPr lang="es-CL" sz="1000" dirty="0" err="1"/>
+                        <a:t>of</a:t>
+                      </a:r>
+                      <a:r>
+                        <a:rPr lang="es-CL" sz="1000" dirty="0"/>
+                        <a:t> </a:t>
+                      </a:r>
+                      <a:r>
+                        <a:rPr lang="es-CL" sz="1000" dirty="0" err="1"/>
+                        <a:t>the</a:t>
+                      </a:r>
+                      <a:r>
+                        <a:rPr lang="es-CL" sz="1000" dirty="0"/>
+                        <a:t> </a:t>
+                      </a:r>
+                      <a:r>
+                        <a:rPr lang="es-CL" sz="1000" dirty="0" err="1"/>
+                        <a:t>models</a:t>
+                      </a:r>
+                      <a:r>
+                        <a:rPr lang="es-CL" sz="1000" dirty="0"/>
+                        <a:t> </a:t>
+                      </a:r>
+                      <a:r>
+                        <a:rPr lang="es-CL" sz="1000" dirty="0" err="1"/>
+                        <a:t>developed</a:t>
+                      </a:r>
+                      <a:r>
+                        <a:rPr lang="es-CL" sz="1000" dirty="0"/>
+                        <a:t>).</a:t>
+                      </a:r>
+                    </a:p>
+                    <a:p>
+                      <a:pPr marL="742950" lvl="0" indent="-285750" algn="l" rtl="0">
+                        <a:spcBef>
+                          <a:spcPts val="0"/>
+                        </a:spcBef>
+                        <a:spcAft>
+                          <a:spcPts val="0"/>
+                        </a:spcAft>
+                        <a:buFont typeface="Arial" panose="020B0604020202020204" pitchFamily="34" charset="0"/>
+                        <a:buChar char="•"/>
+                      </a:pPr>
+                      <a:r>
+                        <a:rPr lang="es-CL" sz="1000" dirty="0" err="1"/>
+                        <a:t>Team-work</a:t>
+                      </a:r>
+                      <a:r>
+                        <a:rPr lang="es-CL" sz="1000" dirty="0"/>
+                        <a:t> (</a:t>
+                      </a:r>
+                      <a:r>
+                        <a:rPr lang="es-CL" sz="1000" dirty="0" err="1"/>
+                        <a:t>It</a:t>
+                      </a:r>
+                      <a:r>
+                        <a:rPr lang="es-CL" sz="1000" dirty="0"/>
+                        <a:t> </a:t>
+                      </a:r>
+                      <a:r>
+                        <a:rPr lang="es-CL" sz="1000" dirty="0" err="1"/>
+                        <a:t>is</a:t>
+                      </a:r>
+                      <a:r>
+                        <a:rPr lang="es-CL" sz="1000" dirty="0"/>
+                        <a:t> </a:t>
+                      </a:r>
+                      <a:r>
+                        <a:rPr lang="es-CL" sz="1000" dirty="0" err="1"/>
+                        <a:t>hard</a:t>
+                      </a:r>
+                      <a:r>
+                        <a:rPr lang="es-CL" sz="1000" dirty="0"/>
+                        <a:t> </a:t>
+                      </a:r>
+                      <a:r>
+                        <a:rPr lang="es-CL" sz="1000" dirty="0" err="1"/>
+                        <a:t>to</a:t>
+                      </a:r>
+                      <a:r>
+                        <a:rPr lang="es-CL" sz="1000" dirty="0"/>
+                        <a:t> </a:t>
+                      </a:r>
+                      <a:r>
+                        <a:rPr lang="es-CL" sz="1000" dirty="0" err="1"/>
+                        <a:t>make</a:t>
+                      </a:r>
+                      <a:r>
+                        <a:rPr lang="es-CL" sz="1000" dirty="0"/>
+                        <a:t> </a:t>
+                      </a:r>
+                      <a:r>
+                        <a:rPr lang="es-CL" sz="1000" dirty="0" err="1"/>
+                        <a:t>it</a:t>
+                      </a:r>
+                      <a:r>
+                        <a:rPr lang="es-CL" sz="1000" dirty="0"/>
+                        <a:t> </a:t>
+                      </a:r>
+                      <a:r>
+                        <a:rPr lang="es-CL" sz="1000" dirty="0" err="1"/>
+                        <a:t>collaboratively</a:t>
+                      </a:r>
+                      <a:r>
+                        <a:rPr lang="es-CL" sz="1000" dirty="0"/>
+                        <a:t> </a:t>
+                      </a:r>
+                      <a:r>
+                        <a:rPr lang="es-CL" sz="1000" dirty="0" err="1"/>
+                        <a:t>sice</a:t>
+                      </a:r>
+                      <a:r>
+                        <a:rPr lang="es-CL" sz="1000" dirty="0"/>
+                        <a:t> </a:t>
+                      </a:r>
+                      <a:r>
+                        <a:rPr lang="es-CL" sz="1000" dirty="0" err="1"/>
+                        <a:t>the</a:t>
+                      </a:r>
+                      <a:r>
+                        <a:rPr lang="es-CL" sz="1000" dirty="0"/>
+                        <a:t> </a:t>
+                      </a:r>
+                      <a:r>
+                        <a:rPr lang="es-CL" sz="1000" dirty="0" err="1"/>
+                        <a:t>main</a:t>
+                      </a:r>
+                      <a:r>
+                        <a:rPr lang="es-CL" sz="1000" dirty="0"/>
+                        <a:t> </a:t>
+                      </a:r>
+                      <a:r>
+                        <a:rPr lang="es-CL" sz="1000" dirty="0" err="1"/>
+                        <a:t>activities</a:t>
+                      </a:r>
+                      <a:r>
+                        <a:rPr lang="es-CL" sz="1000" dirty="0"/>
+                        <a:t> are </a:t>
+                      </a:r>
+                      <a:r>
+                        <a:rPr lang="es-CL" sz="1000" dirty="0" err="1"/>
+                        <a:t>about</a:t>
+                      </a:r>
+                      <a:r>
+                        <a:rPr lang="es-CL" sz="1000" dirty="0"/>
+                        <a:t> </a:t>
+                      </a:r>
+                      <a:r>
+                        <a:rPr lang="es-CL" sz="1000" dirty="0" err="1"/>
+                        <a:t>coding</a:t>
+                      </a:r>
+                      <a:r>
+                        <a:rPr lang="es-CL" sz="1000" dirty="0"/>
+                        <a:t>).</a:t>
+                      </a:r>
+                    </a:p>
+                    <a:p>
+                      <a:pPr marL="742950" lvl="0" indent="-285750" algn="l" rtl="0">
+                        <a:spcBef>
+                          <a:spcPts val="0"/>
+                        </a:spcBef>
+                        <a:spcAft>
+                          <a:spcPts val="0"/>
+                        </a:spcAft>
+                        <a:buFont typeface="Arial" panose="020B0604020202020204" pitchFamily="34" charset="0"/>
+                        <a:buChar char="•"/>
+                      </a:pPr>
+                      <a:endParaRPr sz="1000" dirty="0"/>
                     </a:p>
                   </a:txBody>
                   <a:tcPr marL="91425" marR="91425" marT="91425" marB="91425">
@@ -23185,16 +23536,205 @@
                     <a:bodyPr/>
                     <a:lstStyle/>
                     <a:p>
-                      <a:pPr marL="0" lvl="0" indent="0" algn="l" rtl="0">
+                      <a:pPr marL="171450" lvl="0" indent="-171450" algn="l" rtl="0">
                         <a:spcBef>
                           <a:spcPts val="0"/>
                         </a:spcBef>
                         <a:spcAft>
                           <a:spcPts val="0"/>
                         </a:spcAft>
-                        <a:buNone/>
+                        <a:buFont typeface="Arial" panose="020B0604020202020204" pitchFamily="34" charset="0"/>
+                        <a:buChar char="•"/>
                       </a:pPr>
-                      <a:endParaRPr sz="1200"/>
+                      <a:r>
+                        <a:rPr lang="es-CL" sz="1000" dirty="0" err="1"/>
+                        <a:t>Make</a:t>
+                      </a:r>
+                      <a:r>
+                        <a:rPr lang="es-CL" sz="1000" dirty="0"/>
+                        <a:t> </a:t>
+                      </a:r>
+                      <a:r>
+                        <a:rPr lang="es-CL" sz="1000" dirty="0" err="1"/>
+                        <a:t>sure</a:t>
+                      </a:r>
+                      <a:r>
+                        <a:rPr lang="es-CL" sz="1000" dirty="0"/>
+                        <a:t> </a:t>
+                      </a:r>
+                      <a:r>
+                        <a:rPr lang="es-CL" sz="1000" dirty="0" err="1"/>
+                        <a:t>each</a:t>
+                      </a:r>
+                      <a:r>
+                        <a:rPr lang="es-CL" sz="1000" dirty="0"/>
+                        <a:t> line </a:t>
+                      </a:r>
+                      <a:r>
+                        <a:rPr lang="es-CL" sz="1000" dirty="0" err="1"/>
+                        <a:t>of</a:t>
+                      </a:r>
+                      <a:r>
+                        <a:rPr lang="es-CL" sz="1000" dirty="0"/>
+                        <a:t> </a:t>
+                      </a:r>
+                      <a:r>
+                        <a:rPr lang="es-CL" sz="1000" dirty="0" err="1"/>
+                        <a:t>my</a:t>
+                      </a:r>
+                      <a:r>
+                        <a:rPr lang="es-CL" sz="1000" dirty="0"/>
+                        <a:t> </a:t>
+                      </a:r>
+                      <a:r>
+                        <a:rPr lang="es-CL" sz="1000" dirty="0" err="1"/>
+                        <a:t>code</a:t>
+                      </a:r>
+                      <a:r>
+                        <a:rPr lang="es-CL" sz="1000" dirty="0"/>
+                        <a:t> has </a:t>
+                      </a:r>
+                      <a:r>
+                        <a:rPr lang="es-CL" sz="1000" dirty="0" err="1"/>
+                        <a:t>an</a:t>
+                      </a:r>
+                      <a:r>
+                        <a:rPr lang="es-CL" sz="1000" dirty="0"/>
+                        <a:t> </a:t>
+                      </a:r>
+                      <a:r>
+                        <a:rPr lang="es-CL" sz="1000" dirty="0" err="1"/>
+                        <a:t>explanation</a:t>
+                      </a:r>
+                      <a:r>
+                        <a:rPr lang="es-CL" sz="1000" dirty="0"/>
+                        <a:t> </a:t>
+                      </a:r>
+                      <a:r>
+                        <a:rPr lang="es-CL" sz="1000" dirty="0" err="1"/>
+                        <a:t>of</a:t>
+                      </a:r>
+                      <a:r>
+                        <a:rPr lang="es-CL" sz="1000" dirty="0"/>
+                        <a:t> </a:t>
+                      </a:r>
+                      <a:r>
+                        <a:rPr lang="es-CL" sz="1000" dirty="0" err="1"/>
+                        <a:t>what</a:t>
+                      </a:r>
+                      <a:r>
+                        <a:rPr lang="es-CL" sz="1000" dirty="0"/>
+                        <a:t> </a:t>
+                      </a:r>
+                      <a:r>
+                        <a:rPr lang="es-CL" sz="1000" dirty="0" err="1"/>
+                        <a:t>it</a:t>
+                      </a:r>
+                      <a:r>
+                        <a:rPr lang="es-CL" sz="1000" dirty="0"/>
+                        <a:t> </a:t>
+                      </a:r>
+                      <a:r>
+                        <a:rPr lang="es-CL" sz="1000" dirty="0" err="1"/>
+                        <a:t>is</a:t>
+                      </a:r>
+                      <a:r>
+                        <a:rPr lang="es-CL" sz="1000" dirty="0"/>
+                        <a:t> </a:t>
+                      </a:r>
+                      <a:r>
+                        <a:rPr lang="es-CL" sz="1000" dirty="0" err="1"/>
+                        <a:t>doing</a:t>
+                      </a:r>
+                      <a:r>
+                        <a:rPr lang="es-CL" sz="1000" dirty="0"/>
+                        <a:t>.</a:t>
+                      </a:r>
+                    </a:p>
+                    <a:p>
+                      <a:pPr marL="171450" lvl="0" indent="-171450" algn="l" rtl="0">
+                        <a:spcBef>
+                          <a:spcPts val="0"/>
+                        </a:spcBef>
+                        <a:spcAft>
+                          <a:spcPts val="0"/>
+                        </a:spcAft>
+                        <a:buFont typeface="Arial" panose="020B0604020202020204" pitchFamily="34" charset="0"/>
+                        <a:buChar char="•"/>
+                      </a:pPr>
+                      <a:r>
+                        <a:rPr lang="es-CL" sz="1000" dirty="0" err="1"/>
+                        <a:t>Communicate</a:t>
+                      </a:r>
+                      <a:r>
+                        <a:rPr lang="es-CL" sz="1000" dirty="0"/>
+                        <a:t> </a:t>
+                      </a:r>
+                      <a:r>
+                        <a:rPr lang="es-CL" sz="1000" dirty="0" err="1"/>
+                        <a:t>each</a:t>
+                      </a:r>
+                      <a:r>
+                        <a:rPr lang="es-CL" sz="1000" dirty="0"/>
+                        <a:t> </a:t>
+                      </a:r>
+                      <a:r>
+                        <a:rPr lang="es-CL" sz="1000" dirty="0" err="1"/>
+                        <a:t>change</a:t>
+                      </a:r>
+                      <a:r>
+                        <a:rPr lang="es-CL" sz="1000" dirty="0"/>
+                        <a:t>/</a:t>
+                      </a:r>
+                      <a:r>
+                        <a:rPr lang="es-CL" sz="1000" dirty="0" err="1"/>
+                        <a:t>finding</a:t>
+                      </a:r>
+                      <a:r>
+                        <a:rPr lang="es-CL" sz="1000" dirty="0"/>
+                        <a:t> in </a:t>
+                      </a:r>
+                      <a:r>
+                        <a:rPr lang="es-CL" sz="1000" dirty="0" err="1"/>
+                        <a:t>my</a:t>
+                      </a:r>
+                      <a:r>
+                        <a:rPr lang="es-CL" sz="1000" dirty="0"/>
+                        <a:t> </a:t>
+                      </a:r>
+                      <a:r>
+                        <a:rPr lang="es-CL" sz="1000" dirty="0" err="1"/>
+                        <a:t>research</a:t>
+                      </a:r>
+                      <a:r>
+                        <a:rPr lang="es-CL" sz="1000" dirty="0"/>
+                        <a:t> </a:t>
+                      </a:r>
+                      <a:r>
+                        <a:rPr lang="es-CL" sz="1000" dirty="0" err="1"/>
+                        <a:t>or</a:t>
+                      </a:r>
+                      <a:r>
+                        <a:rPr lang="es-CL" sz="1000" dirty="0"/>
+                        <a:t> </a:t>
+                      </a:r>
+                      <a:r>
+                        <a:rPr lang="es-CL" sz="1000" dirty="0" err="1"/>
+                        <a:t>coding</a:t>
+                      </a:r>
+                      <a:r>
+                        <a:rPr lang="es-CL" sz="1000" dirty="0"/>
+                        <a:t> </a:t>
+                      </a:r>
+                      <a:r>
+                        <a:rPr lang="es-CL" sz="1000" dirty="0" err="1"/>
+                        <a:t>activity</a:t>
+                      </a:r>
+                      <a:r>
+                        <a:rPr lang="es-CL" sz="1000" dirty="0"/>
+                        <a:t>.</a:t>
+                      </a:r>
+                      <a:endParaRPr sz="900" dirty="0"/>
                     </a:p>
                   </a:txBody>
                   <a:tcPr marL="91425" marR="91425" marT="91425" marB="91425">
@@ -23244,16 +23784,213 @@
                     <a:bodyPr/>
                     <a:lstStyle/>
                     <a:p>
-                      <a:pPr marL="0" lvl="0" indent="0" algn="l" rtl="0">
+                      <a:pPr marL="171450" lvl="0" indent="-171450" algn="l" rtl="0">
                         <a:spcBef>
                           <a:spcPts val="0"/>
                         </a:spcBef>
                         <a:spcAft>
                           <a:spcPts val="0"/>
                         </a:spcAft>
-                        <a:buNone/>
+                        <a:buFont typeface="Arial" panose="020B0604020202020204" pitchFamily="34" charset="0"/>
+                        <a:buChar char="•"/>
                       </a:pPr>
-                      <a:endParaRPr sz="1200" dirty="0">
+                      <a:r>
+                        <a:rPr lang="es-CL" sz="1000" dirty="0">
+                          <a:solidFill>
+                            <a:schemeClr val="dk1"/>
+                          </a:solidFill>
+                        </a:rPr>
+                        <a:t>% </a:t>
+                      </a:r>
+                      <a:r>
+                        <a:rPr lang="es-CL" sz="1000" dirty="0" err="1">
+                          <a:solidFill>
+                            <a:schemeClr val="dk1"/>
+                          </a:solidFill>
+                        </a:rPr>
+                        <a:t>of</a:t>
+                      </a:r>
+                      <a:r>
+                        <a:rPr lang="es-CL" sz="1000" dirty="0">
+                          <a:solidFill>
+                            <a:schemeClr val="dk1"/>
+                          </a:solidFill>
+                        </a:rPr>
+                        <a:t> </a:t>
+                      </a:r>
+                      <a:r>
+                        <a:rPr lang="es-CL" sz="1000" dirty="0" err="1">
+                          <a:solidFill>
+                            <a:schemeClr val="dk1"/>
+                          </a:solidFill>
+                        </a:rPr>
+                        <a:t>lines</a:t>
+                      </a:r>
+                      <a:r>
+                        <a:rPr lang="es-CL" sz="1000" dirty="0">
+                          <a:solidFill>
+                            <a:schemeClr val="dk1"/>
+                          </a:solidFill>
+                        </a:rPr>
+                        <a:t> </a:t>
+                      </a:r>
+                      <a:r>
+                        <a:rPr lang="es-CL" sz="1000" dirty="0" err="1">
+                          <a:solidFill>
+                            <a:schemeClr val="dk1"/>
+                          </a:solidFill>
+                        </a:rPr>
+                        <a:t>with</a:t>
+                      </a:r>
+                      <a:r>
+                        <a:rPr lang="es-CL" sz="1000" dirty="0">
+                          <a:solidFill>
+                            <a:schemeClr val="dk1"/>
+                          </a:solidFill>
+                        </a:rPr>
+                        <a:t> </a:t>
+                      </a:r>
+                      <a:r>
+                        <a:rPr lang="es-CL" sz="1000" dirty="0" err="1">
+                          <a:solidFill>
+                            <a:schemeClr val="dk1"/>
+                          </a:solidFill>
+                        </a:rPr>
+                        <a:t>an</a:t>
+                      </a:r>
+                      <a:r>
+                        <a:rPr lang="es-CL" sz="1000" dirty="0">
+                          <a:solidFill>
+                            <a:schemeClr val="dk1"/>
+                          </a:solidFill>
+                        </a:rPr>
+                        <a:t> </a:t>
+                      </a:r>
+                      <a:r>
+                        <a:rPr lang="es-CL" sz="1000" dirty="0" err="1">
+                          <a:solidFill>
+                            <a:schemeClr val="dk1"/>
+                          </a:solidFill>
+                        </a:rPr>
+                        <a:t>explanation</a:t>
+                      </a:r>
+                      <a:r>
+                        <a:rPr lang="es-CL" sz="1000" dirty="0">
+                          <a:solidFill>
+                            <a:schemeClr val="dk1"/>
+                          </a:solidFill>
+                        </a:rPr>
+                        <a:t>.</a:t>
+                      </a:r>
+                    </a:p>
+                    <a:p>
+                      <a:pPr marL="171450" lvl="0" indent="-171450" algn="l" rtl="0">
+                        <a:spcBef>
+                          <a:spcPts val="0"/>
+                        </a:spcBef>
+                        <a:spcAft>
+                          <a:spcPts val="0"/>
+                        </a:spcAft>
+                        <a:buFont typeface="Arial" panose="020B0604020202020204" pitchFamily="34" charset="0"/>
+                        <a:buChar char="•"/>
+                      </a:pPr>
+                      <a:r>
+                        <a:rPr lang="es-CL" sz="1000" dirty="0" err="1">
+                          <a:solidFill>
+                            <a:schemeClr val="dk1"/>
+                          </a:solidFill>
+                        </a:rPr>
+                        <a:t>Team</a:t>
+                      </a:r>
+                      <a:r>
+                        <a:rPr lang="es-CL" sz="1000" dirty="0">
+                          <a:solidFill>
+                            <a:schemeClr val="dk1"/>
+                          </a:solidFill>
+                        </a:rPr>
+                        <a:t> </a:t>
+                      </a:r>
+                      <a:r>
+                        <a:rPr lang="es-CL" sz="1000" dirty="0" err="1">
+                          <a:solidFill>
+                            <a:schemeClr val="dk1"/>
+                          </a:solidFill>
+                        </a:rPr>
+                        <a:t>happiness</a:t>
+                      </a:r>
+                      <a:r>
+                        <a:rPr lang="es-CL" sz="1000" dirty="0">
+                          <a:solidFill>
+                            <a:schemeClr val="dk1"/>
+                          </a:solidFill>
+                        </a:rPr>
+                        <a:t>/</a:t>
+                      </a:r>
+                      <a:r>
+                        <a:rPr lang="es-CL" sz="1000" dirty="0" err="1">
+                          <a:solidFill>
+                            <a:schemeClr val="dk1"/>
+                          </a:solidFill>
+                        </a:rPr>
+                        <a:t>involvement</a:t>
+                      </a:r>
+                      <a:r>
+                        <a:rPr lang="es-CL" sz="1000" dirty="0">
+                          <a:solidFill>
+                            <a:schemeClr val="dk1"/>
+                          </a:solidFill>
+                        </a:rPr>
+                        <a:t> (</a:t>
+                      </a:r>
+                      <a:r>
+                        <a:rPr lang="es-CL" sz="1000" dirty="0" err="1">
+                          <a:solidFill>
+                            <a:schemeClr val="dk1"/>
+                          </a:solidFill>
+                        </a:rPr>
+                        <a:t>Rated</a:t>
+                      </a:r>
+                      <a:r>
+                        <a:rPr lang="es-CL" sz="1000" dirty="0">
+                          <a:solidFill>
+                            <a:schemeClr val="dk1"/>
+                          </a:solidFill>
+                        </a:rPr>
+                        <a:t> </a:t>
+                      </a:r>
+                      <a:r>
+                        <a:rPr lang="es-CL" sz="1000" dirty="0" err="1">
+                          <a:solidFill>
+                            <a:schemeClr val="dk1"/>
+                          </a:solidFill>
+                        </a:rPr>
+                        <a:t>from</a:t>
+                      </a:r>
+                      <a:r>
+                        <a:rPr lang="es-CL" sz="1000" dirty="0">
+                          <a:solidFill>
+                            <a:schemeClr val="dk1"/>
+                          </a:solidFill>
+                        </a:rPr>
+                        <a:t> 1 </a:t>
+                      </a:r>
+                      <a:r>
+                        <a:rPr lang="es-CL" sz="1000" dirty="0" err="1">
+                          <a:solidFill>
+                            <a:schemeClr val="dk1"/>
+                          </a:solidFill>
+                        </a:rPr>
+                        <a:t>to</a:t>
+                      </a:r>
+                      <a:r>
+                        <a:rPr lang="es-CL" sz="1000">
+                          <a:solidFill>
+                            <a:schemeClr val="dk1"/>
+                          </a:solidFill>
+                        </a:rPr>
+                        <a:t> 5).</a:t>
+                      </a:r>
+                      <a:endParaRPr sz="1000" dirty="0">
                         <a:solidFill>
                           <a:schemeClr val="dk1"/>
                         </a:solidFill>
@@ -23743,7 +24480,7 @@
                         </a:spcAft>
                         <a:buNone/>
                       </a:pPr>
-                      <a:endParaRPr/>
+                      <a:endParaRPr dirty="0"/>
                     </a:p>
                   </a:txBody>
                   <a:tcPr marL="91425" marR="91425" marT="91425" marB="91425">
@@ -23802,7 +24539,7 @@
                         </a:spcAft>
                         <a:buNone/>
                       </a:pPr>
-                      <a:endParaRPr/>
+                      <a:endParaRPr dirty="0"/>
                     </a:p>
                   </a:txBody>
                   <a:tcPr marL="91425" marR="91425" marT="91425" marB="91425">
@@ -23861,7 +24598,7 @@
                         </a:spcAft>
                         <a:buNone/>
                       </a:pPr>
-                      <a:endParaRPr/>
+                      <a:endParaRPr dirty="0"/>
                     </a:p>
                   </a:txBody>
                   <a:tcPr marL="91425" marR="91425" marT="91425" marB="91425">
@@ -23920,7 +24657,7 @@
                         </a:spcAft>
                         <a:buNone/>
                       </a:pPr>
-                      <a:endParaRPr sz="1200"/>
+                      <a:endParaRPr sz="1200" dirty="0"/>
                     </a:p>
                   </a:txBody>
                   <a:tcPr marL="91425" marR="91425" marT="91425" marB="91425">
@@ -23979,7 +24716,7 @@
                         </a:spcAft>
                         <a:buNone/>
                       </a:pPr>
-                      <a:endParaRPr sz="1200">
+                      <a:endParaRPr sz="1200" dirty="0">
                         <a:solidFill>
                           <a:schemeClr val="dk1"/>
                         </a:solidFill>

--- a/ENGIN_270K_Coaching/Module_1/E270K_Module_1.pptx
+++ b/ENGIN_270K_Coaching/Module_1/E270K_Module_1.pptx
@@ -5,7 +5,7 @@
     <p:sldMasterId id="2147483659" r:id="rId1"/>
   </p:sldMasterIdLst>
   <p:notesMasterIdLst>
-    <p:notesMasterId r:id="rId23"/>
+    <p:notesMasterId r:id="rId22"/>
   </p:notesMasterIdLst>
   <p:sldIdLst>
     <p:sldId id="256" r:id="rId2"/>
@@ -17,47 +17,46 @@
     <p:sldId id="262" r:id="rId8"/>
     <p:sldId id="263" r:id="rId9"/>
     <p:sldId id="264" r:id="rId10"/>
-    <p:sldId id="265" r:id="rId11"/>
-    <p:sldId id="266" r:id="rId12"/>
-    <p:sldId id="267" r:id="rId13"/>
-    <p:sldId id="268" r:id="rId14"/>
-    <p:sldId id="269" r:id="rId15"/>
-    <p:sldId id="270" r:id="rId16"/>
-    <p:sldId id="271" r:id="rId17"/>
-    <p:sldId id="272" r:id="rId18"/>
-    <p:sldId id="273" r:id="rId19"/>
-    <p:sldId id="274" r:id="rId20"/>
-    <p:sldId id="275" r:id="rId21"/>
-    <p:sldId id="276" r:id="rId22"/>
+    <p:sldId id="266" r:id="rId11"/>
+    <p:sldId id="267" r:id="rId12"/>
+    <p:sldId id="268" r:id="rId13"/>
+    <p:sldId id="269" r:id="rId14"/>
+    <p:sldId id="270" r:id="rId15"/>
+    <p:sldId id="271" r:id="rId16"/>
+    <p:sldId id="272" r:id="rId17"/>
+    <p:sldId id="273" r:id="rId18"/>
+    <p:sldId id="274" r:id="rId19"/>
+    <p:sldId id="275" r:id="rId20"/>
+    <p:sldId id="276" r:id="rId21"/>
   </p:sldIdLst>
   <p:sldSz cx="9144000" cy="5143500" type="screen16x9"/>
   <p:notesSz cx="6858000" cy="9144000"/>
   <p:embeddedFontLst>
     <p:embeddedFont>
       <p:font typeface="Source Sans Pro" panose="020B0503030403020204" pitchFamily="34" charset="0"/>
-      <p:regular r:id="rId24"/>
-      <p:bold r:id="rId25"/>
-      <p:italic r:id="rId26"/>
-      <p:boldItalic r:id="rId27"/>
+      <p:regular r:id="rId23"/>
+      <p:bold r:id="rId24"/>
+      <p:italic r:id="rId25"/>
+      <p:boldItalic r:id="rId26"/>
     </p:embeddedFont>
     <p:embeddedFont>
       <p:font typeface="Source Sans Pro Black" panose="020B0803030403020204" pitchFamily="34" charset="0"/>
-      <p:bold r:id="rId28"/>
-      <p:boldItalic r:id="rId29"/>
+      <p:bold r:id="rId27"/>
+      <p:boldItalic r:id="rId28"/>
     </p:embeddedFont>
     <p:embeddedFont>
       <p:font typeface="Source Sans Pro Light" panose="020B0403030403020204" pitchFamily="34" charset="0"/>
-      <p:regular r:id="rId30"/>
-      <p:bold r:id="rId31"/>
-      <p:italic r:id="rId32"/>
-      <p:boldItalic r:id="rId33"/>
+      <p:regular r:id="rId29"/>
+      <p:bold r:id="rId30"/>
+      <p:italic r:id="rId31"/>
+      <p:boldItalic r:id="rId32"/>
     </p:embeddedFont>
     <p:embeddedFont>
       <p:font typeface="Source Sans Pro SemiBold" panose="020B0603030403020204" pitchFamily="34" charset="0"/>
-      <p:regular r:id="rId34"/>
-      <p:bold r:id="rId35"/>
-      <p:italic r:id="rId36"/>
-      <p:boldItalic r:id="rId37"/>
+      <p:regular r:id="rId33"/>
+      <p:bold r:id="rId34"/>
+      <p:italic r:id="rId35"/>
+      <p:boldItalic r:id="rId36"/>
     </p:embeddedFont>
   </p:embeddedFontLst>
   <p:defaultTextStyle>
@@ -847,110 +846,6 @@
   <p:cSld>
     <p:spTree>
       <p:nvGrpSpPr>
-        <p:cNvPr id="1" name="Shape 120"/>
-        <p:cNvGrpSpPr/>
-        <p:nvPr/>
-      </p:nvGrpSpPr>
-      <p:grpSpPr>
-        <a:xfrm>
-          <a:off x="0" y="0"/>
-          <a:ext cx="0" cy="0"/>
-          <a:chOff x="0" y="0"/>
-          <a:chExt cx="0" cy="0"/>
-        </a:xfrm>
-      </p:grpSpPr>
-      <p:sp>
-        <p:nvSpPr>
-          <p:cNvPr id="121" name="Google Shape;121;g7c51b346bb_1_7:notes"/>
-          <p:cNvSpPr>
-            <a:spLocks noGrp="1" noRot="1" noChangeAspect="1"/>
-          </p:cNvSpPr>
-          <p:nvPr>
-            <p:ph type="sldImg" idx="2"/>
-          </p:nvPr>
-        </p:nvSpPr>
-        <p:spPr>
-          <a:xfrm>
-            <a:off x="381300" y="685800"/>
-            <a:ext cx="6096000" cy="3429000"/>
-          </a:xfrm>
-          <a:custGeom>
-            <a:avLst/>
-            <a:gdLst/>
-            <a:ahLst/>
-            <a:cxnLst/>
-            <a:rect l="l" t="t" r="r" b="b"/>
-            <a:pathLst>
-              <a:path w="120000" h="120000" extrusionOk="0">
-                <a:moveTo>
-                  <a:pt x="0" y="0"/>
-                </a:moveTo>
-                <a:lnTo>
-                  <a:pt x="120000" y="0"/>
-                </a:lnTo>
-                <a:lnTo>
-                  <a:pt x="120000" y="120000"/>
-                </a:lnTo>
-                <a:lnTo>
-                  <a:pt x="0" y="120000"/>
-                </a:lnTo>
-                <a:close/>
-              </a:path>
-            </a:pathLst>
-          </a:custGeom>
-        </p:spPr>
-      </p:sp>
-      <p:sp>
-        <p:nvSpPr>
-          <p:cNvPr id="122" name="Google Shape;122;g7c51b346bb_1_7:notes"/>
-          <p:cNvSpPr txBox="1">
-            <a:spLocks noGrp="1"/>
-          </p:cNvSpPr>
-          <p:nvPr>
-            <p:ph type="body" idx="1"/>
-          </p:nvPr>
-        </p:nvSpPr>
-        <p:spPr>
-          <a:xfrm>
-            <a:off x="685800" y="4343400"/>
-            <a:ext cx="5486400" cy="4114800"/>
-          </a:xfrm>
-          <a:prstGeom prst="rect">
-            <a:avLst/>
-          </a:prstGeom>
-        </p:spPr>
-        <p:txBody>
-          <a:bodyPr spcFirstLastPara="1" wrap="square" lIns="91425" tIns="91425" rIns="91425" bIns="91425" anchor="t" anchorCtr="0">
-            <a:noAutofit/>
-          </a:bodyPr>
-          <a:lstStyle/>
-          <a:p>
-            <a:pPr marL="0" lvl="0" indent="0" algn="l" rtl="0">
-              <a:spcBef>
-                <a:spcPts val="0"/>
-              </a:spcBef>
-              <a:spcAft>
-                <a:spcPts val="0"/>
-              </a:spcAft>
-              <a:buNone/>
-            </a:pPr>
-            <a:endParaRPr/>
-          </a:p>
-        </p:txBody>
-      </p:sp>
-    </p:spTree>
-  </p:cSld>
-  <p:clrMapOvr>
-    <a:masterClrMapping/>
-  </p:clrMapOvr>
-</p:notes>
-</file>
-
-<file path=ppt/notesSlides/notesSlide11.xml><?xml version="1.0" encoding="utf-8"?>
-<p:notes xmlns:a="http://schemas.openxmlformats.org/drawingml/2006/main" xmlns:r="http://schemas.openxmlformats.org/officeDocument/2006/relationships" xmlns:p="http://schemas.openxmlformats.org/presentationml/2006/main" showMasterSp="0" showMasterPhAnim="0">
-  <p:cSld>
-    <p:spTree>
-      <p:nvGrpSpPr>
         <p:cNvPr id="1" name="Shape 128"/>
         <p:cNvGrpSpPr/>
         <p:nvPr/>
@@ -1050,7 +945,7 @@
 </p:notes>
 </file>
 
-<file path=ppt/notesSlides/notesSlide12.xml><?xml version="1.0" encoding="utf-8"?>
+<file path=ppt/notesSlides/notesSlide11.xml><?xml version="1.0" encoding="utf-8"?>
 <p:notes xmlns:a="http://schemas.openxmlformats.org/drawingml/2006/main" xmlns:r="http://schemas.openxmlformats.org/officeDocument/2006/relationships" xmlns:p="http://schemas.openxmlformats.org/presentationml/2006/main" showMasterSp="0" showMasterPhAnim="0">
   <p:cSld>
     <p:spTree>
@@ -1154,7 +1049,7 @@
 </p:notes>
 </file>
 
-<file path=ppt/notesSlides/notesSlide13.xml><?xml version="1.0" encoding="utf-8"?>
+<file path=ppt/notesSlides/notesSlide12.xml><?xml version="1.0" encoding="utf-8"?>
 <p:notes xmlns:a="http://schemas.openxmlformats.org/drawingml/2006/main" xmlns:r="http://schemas.openxmlformats.org/officeDocument/2006/relationships" xmlns:p="http://schemas.openxmlformats.org/presentationml/2006/main" showMasterSp="0" showMasterPhAnim="0">
   <p:cSld>
     <p:spTree>
@@ -1258,7 +1153,7 @@
 </p:notes>
 </file>
 
-<file path=ppt/notesSlides/notesSlide14.xml><?xml version="1.0" encoding="utf-8"?>
+<file path=ppt/notesSlides/notesSlide13.xml><?xml version="1.0" encoding="utf-8"?>
 <p:notes xmlns:a="http://schemas.openxmlformats.org/drawingml/2006/main" xmlns:r="http://schemas.openxmlformats.org/officeDocument/2006/relationships" xmlns:p="http://schemas.openxmlformats.org/presentationml/2006/main" showMasterSp="0" showMasterPhAnim="0">
   <p:cSld>
     <p:spTree>
@@ -1362,7 +1257,7 @@
 </p:notes>
 </file>
 
-<file path=ppt/notesSlides/notesSlide15.xml><?xml version="1.0" encoding="utf-8"?>
+<file path=ppt/notesSlides/notesSlide14.xml><?xml version="1.0" encoding="utf-8"?>
 <p:notes xmlns:a="http://schemas.openxmlformats.org/drawingml/2006/main" xmlns:r="http://schemas.openxmlformats.org/officeDocument/2006/relationships" xmlns:p="http://schemas.openxmlformats.org/presentationml/2006/main" showMasterSp="0" showMasterPhAnim="0">
   <p:cSld>
     <p:spTree>
@@ -1466,7 +1361,7 @@
 </p:notes>
 </file>
 
-<file path=ppt/notesSlides/notesSlide16.xml><?xml version="1.0" encoding="utf-8"?>
+<file path=ppt/notesSlides/notesSlide15.xml><?xml version="1.0" encoding="utf-8"?>
 <p:notes xmlns:a="http://schemas.openxmlformats.org/drawingml/2006/main" xmlns:r="http://schemas.openxmlformats.org/officeDocument/2006/relationships" xmlns:p="http://schemas.openxmlformats.org/presentationml/2006/main" showMasterSp="0" showMasterPhAnim="0">
   <p:cSld>
     <p:spTree>
@@ -1570,7 +1465,7 @@
 </p:notes>
 </file>
 
-<file path=ppt/notesSlides/notesSlide17.xml><?xml version="1.0" encoding="utf-8"?>
+<file path=ppt/notesSlides/notesSlide16.xml><?xml version="1.0" encoding="utf-8"?>
 <p:notes xmlns:a="http://schemas.openxmlformats.org/drawingml/2006/main" xmlns:r="http://schemas.openxmlformats.org/officeDocument/2006/relationships" xmlns:p="http://schemas.openxmlformats.org/presentationml/2006/main" showMasterSp="0" showMasterPhAnim="0">
   <p:cSld>
     <p:spTree>
@@ -1674,7 +1569,7 @@
 </p:notes>
 </file>
 
-<file path=ppt/notesSlides/notesSlide18.xml><?xml version="1.0" encoding="utf-8"?>
+<file path=ppt/notesSlides/notesSlide17.xml><?xml version="1.0" encoding="utf-8"?>
 <p:notes xmlns:a="http://schemas.openxmlformats.org/drawingml/2006/main" xmlns:r="http://schemas.openxmlformats.org/officeDocument/2006/relationships" xmlns:p="http://schemas.openxmlformats.org/presentationml/2006/main" showMasterSp="0" showMasterPhAnim="0">
   <p:cSld>
     <p:spTree>
@@ -1778,7 +1673,7 @@
 </p:notes>
 </file>
 
-<file path=ppt/notesSlides/notesSlide19.xml><?xml version="1.0" encoding="utf-8"?>
+<file path=ppt/notesSlides/notesSlide18.xml><?xml version="1.0" encoding="utf-8"?>
 <p:notes xmlns:a="http://schemas.openxmlformats.org/drawingml/2006/main" xmlns:r="http://schemas.openxmlformats.org/officeDocument/2006/relationships" xmlns:p="http://schemas.openxmlformats.org/presentationml/2006/main" showMasterSp="0" showMasterPhAnim="0">
   <p:cSld>
     <p:spTree>
@@ -1839,6 +1734,110 @@
       <p:sp>
         <p:nvSpPr>
           <p:cNvPr id="183" name="Google Shape;183;g7c43eaa247_2_25:notes"/>
+          <p:cNvSpPr txBox="1">
+            <a:spLocks noGrp="1"/>
+          </p:cNvSpPr>
+          <p:nvPr>
+            <p:ph type="body" idx="1"/>
+          </p:nvPr>
+        </p:nvSpPr>
+        <p:spPr>
+          <a:xfrm>
+            <a:off x="685800" y="4343400"/>
+            <a:ext cx="5486400" cy="4114800"/>
+          </a:xfrm>
+          <a:prstGeom prst="rect">
+            <a:avLst/>
+          </a:prstGeom>
+        </p:spPr>
+        <p:txBody>
+          <a:bodyPr spcFirstLastPara="1" wrap="square" lIns="91425" tIns="91425" rIns="91425" bIns="91425" anchor="t" anchorCtr="0">
+            <a:noAutofit/>
+          </a:bodyPr>
+          <a:lstStyle/>
+          <a:p>
+            <a:pPr marL="0" lvl="0" indent="0" algn="l" rtl="0">
+              <a:spcBef>
+                <a:spcPts val="0"/>
+              </a:spcBef>
+              <a:spcAft>
+                <a:spcPts val="0"/>
+              </a:spcAft>
+              <a:buNone/>
+            </a:pPr>
+            <a:endParaRPr/>
+          </a:p>
+        </p:txBody>
+      </p:sp>
+    </p:spTree>
+  </p:cSld>
+  <p:clrMapOvr>
+    <a:masterClrMapping/>
+  </p:clrMapOvr>
+</p:notes>
+</file>
+
+<file path=ppt/notesSlides/notesSlide19.xml><?xml version="1.0" encoding="utf-8"?>
+<p:notes xmlns:a="http://schemas.openxmlformats.org/drawingml/2006/main" xmlns:r="http://schemas.openxmlformats.org/officeDocument/2006/relationships" xmlns:p="http://schemas.openxmlformats.org/presentationml/2006/main" showMasterSp="0" showMasterPhAnim="0">
+  <p:cSld>
+    <p:spTree>
+      <p:nvGrpSpPr>
+        <p:cNvPr id="1" name="Shape 191"/>
+        <p:cNvGrpSpPr/>
+        <p:nvPr/>
+      </p:nvGrpSpPr>
+      <p:grpSpPr>
+        <a:xfrm>
+          <a:off x="0" y="0"/>
+          <a:ext cx="0" cy="0"/>
+          <a:chOff x="0" y="0"/>
+          <a:chExt cx="0" cy="0"/>
+        </a:xfrm>
+      </p:grpSpPr>
+      <p:sp>
+        <p:nvSpPr>
+          <p:cNvPr id="192" name="Google Shape;192;g4a96e50e3c_1_205:notes"/>
+          <p:cNvSpPr>
+            <a:spLocks noGrp="1" noRot="1" noChangeAspect="1"/>
+          </p:cNvSpPr>
+          <p:nvPr>
+            <p:ph type="sldImg" idx="2"/>
+          </p:nvPr>
+        </p:nvSpPr>
+        <p:spPr>
+          <a:xfrm>
+            <a:off x="381300" y="685800"/>
+            <a:ext cx="6096000" cy="3429000"/>
+          </a:xfrm>
+          <a:custGeom>
+            <a:avLst/>
+            <a:gdLst/>
+            <a:ahLst/>
+            <a:cxnLst/>
+            <a:rect l="l" t="t" r="r" b="b"/>
+            <a:pathLst>
+              <a:path w="120000" h="120000" extrusionOk="0">
+                <a:moveTo>
+                  <a:pt x="0" y="0"/>
+                </a:moveTo>
+                <a:lnTo>
+                  <a:pt x="120000" y="0"/>
+                </a:lnTo>
+                <a:lnTo>
+                  <a:pt x="120000" y="120000"/>
+                </a:lnTo>
+                <a:lnTo>
+                  <a:pt x="0" y="120000"/>
+                </a:lnTo>
+                <a:close/>
+              </a:path>
+            </a:pathLst>
+          </a:custGeom>
+        </p:spPr>
+      </p:sp>
+      <p:sp>
+        <p:nvSpPr>
+          <p:cNvPr id="193" name="Google Shape;193;g4a96e50e3c_1_205:notes"/>
           <p:cNvSpPr txBox="1">
             <a:spLocks noGrp="1"/>
           </p:cNvSpPr>
@@ -1987,110 +1986,6 @@
 </file>
 
 <file path=ppt/notesSlides/notesSlide20.xml><?xml version="1.0" encoding="utf-8"?>
-<p:notes xmlns:a="http://schemas.openxmlformats.org/drawingml/2006/main" xmlns:r="http://schemas.openxmlformats.org/officeDocument/2006/relationships" xmlns:p="http://schemas.openxmlformats.org/presentationml/2006/main" showMasterSp="0" showMasterPhAnim="0">
-  <p:cSld>
-    <p:spTree>
-      <p:nvGrpSpPr>
-        <p:cNvPr id="1" name="Shape 191"/>
-        <p:cNvGrpSpPr/>
-        <p:nvPr/>
-      </p:nvGrpSpPr>
-      <p:grpSpPr>
-        <a:xfrm>
-          <a:off x="0" y="0"/>
-          <a:ext cx="0" cy="0"/>
-          <a:chOff x="0" y="0"/>
-          <a:chExt cx="0" cy="0"/>
-        </a:xfrm>
-      </p:grpSpPr>
-      <p:sp>
-        <p:nvSpPr>
-          <p:cNvPr id="192" name="Google Shape;192;g4a96e50e3c_1_205:notes"/>
-          <p:cNvSpPr>
-            <a:spLocks noGrp="1" noRot="1" noChangeAspect="1"/>
-          </p:cNvSpPr>
-          <p:nvPr>
-            <p:ph type="sldImg" idx="2"/>
-          </p:nvPr>
-        </p:nvSpPr>
-        <p:spPr>
-          <a:xfrm>
-            <a:off x="381300" y="685800"/>
-            <a:ext cx="6096000" cy="3429000"/>
-          </a:xfrm>
-          <a:custGeom>
-            <a:avLst/>
-            <a:gdLst/>
-            <a:ahLst/>
-            <a:cxnLst/>
-            <a:rect l="l" t="t" r="r" b="b"/>
-            <a:pathLst>
-              <a:path w="120000" h="120000" extrusionOk="0">
-                <a:moveTo>
-                  <a:pt x="0" y="0"/>
-                </a:moveTo>
-                <a:lnTo>
-                  <a:pt x="120000" y="0"/>
-                </a:lnTo>
-                <a:lnTo>
-                  <a:pt x="120000" y="120000"/>
-                </a:lnTo>
-                <a:lnTo>
-                  <a:pt x="0" y="120000"/>
-                </a:lnTo>
-                <a:close/>
-              </a:path>
-            </a:pathLst>
-          </a:custGeom>
-        </p:spPr>
-      </p:sp>
-      <p:sp>
-        <p:nvSpPr>
-          <p:cNvPr id="193" name="Google Shape;193;g4a96e50e3c_1_205:notes"/>
-          <p:cNvSpPr txBox="1">
-            <a:spLocks noGrp="1"/>
-          </p:cNvSpPr>
-          <p:nvPr>
-            <p:ph type="body" idx="1"/>
-          </p:nvPr>
-        </p:nvSpPr>
-        <p:spPr>
-          <a:xfrm>
-            <a:off x="685800" y="4343400"/>
-            <a:ext cx="5486400" cy="4114800"/>
-          </a:xfrm>
-          <a:prstGeom prst="rect">
-            <a:avLst/>
-          </a:prstGeom>
-        </p:spPr>
-        <p:txBody>
-          <a:bodyPr spcFirstLastPara="1" wrap="square" lIns="91425" tIns="91425" rIns="91425" bIns="91425" anchor="t" anchorCtr="0">
-            <a:noAutofit/>
-          </a:bodyPr>
-          <a:lstStyle/>
-          <a:p>
-            <a:pPr marL="0" lvl="0" indent="0" algn="l" rtl="0">
-              <a:spcBef>
-                <a:spcPts val="0"/>
-              </a:spcBef>
-              <a:spcAft>
-                <a:spcPts val="0"/>
-              </a:spcAft>
-              <a:buNone/>
-            </a:pPr>
-            <a:endParaRPr/>
-          </a:p>
-        </p:txBody>
-      </p:sp>
-    </p:spTree>
-  </p:cSld>
-  <p:clrMapOvr>
-    <a:masterClrMapping/>
-  </p:clrMapOvr>
-</p:notes>
-</file>
-
-<file path=ppt/notesSlides/notesSlide21.xml><?xml version="1.0" encoding="utf-8"?>
 <p:notes xmlns:a="http://schemas.openxmlformats.org/drawingml/2006/main" xmlns:r="http://schemas.openxmlformats.org/officeDocument/2006/relationships" xmlns:p="http://schemas.openxmlformats.org/presentationml/2006/main" showMasterSp="0" showMasterPhAnim="0">
   <p:cSld>
     <p:spTree>
@@ -8143,1631 +8038,6 @@
     </p:bg>
     <p:spTree>
       <p:nvGrpSpPr>
-        <p:cNvPr id="1" name="Shape 123"/>
-        <p:cNvGrpSpPr/>
-        <p:nvPr/>
-      </p:nvGrpSpPr>
-      <p:grpSpPr>
-        <a:xfrm>
-          <a:off x="0" y="0"/>
-          <a:ext cx="0" cy="0"/>
-          <a:chOff x="0" y="0"/>
-          <a:chExt cx="0" cy="0"/>
-        </a:xfrm>
-      </p:grpSpPr>
-      <p:graphicFrame>
-        <p:nvGraphicFramePr>
-          <p:cNvPr id="124" name="Google Shape;124;p22"/>
-          <p:cNvGraphicFramePr/>
-          <p:nvPr/>
-        </p:nvGraphicFramePr>
-        <p:xfrm>
-          <a:off x="247388" y="476550"/>
-          <a:ext cx="3000000" cy="3000000"/>
-        </p:xfrm>
-        <a:graphic>
-          <a:graphicData uri="http://schemas.openxmlformats.org/drawingml/2006/table">
-            <a:tbl>
-              <a:tblPr>
-                <a:noFill/>
-                <a:tableStyleId>{ECAE0272-A8DE-442C-B887-56A116A69902}</a:tableStyleId>
-              </a:tblPr>
-              <a:tblGrid>
-                <a:gridCol w="1071700">
-                  <a:extLst>
-                    <a:ext uri="{9D8B030D-6E8A-4147-A177-3AD203B41FA5}">
-                      <a16:colId xmlns:a16="http://schemas.microsoft.com/office/drawing/2014/main" val="20000"/>
-                    </a:ext>
-                  </a:extLst>
-                </a:gridCol>
-                <a:gridCol w="1979300">
-                  <a:extLst>
-                    <a:ext uri="{9D8B030D-6E8A-4147-A177-3AD203B41FA5}">
-                      <a16:colId xmlns:a16="http://schemas.microsoft.com/office/drawing/2014/main" val="20001"/>
-                    </a:ext>
-                  </a:extLst>
-                </a:gridCol>
-                <a:gridCol w="2600825">
-                  <a:extLst>
-                    <a:ext uri="{9D8B030D-6E8A-4147-A177-3AD203B41FA5}">
-                      <a16:colId xmlns:a16="http://schemas.microsoft.com/office/drawing/2014/main" val="20002"/>
-                    </a:ext>
-                  </a:extLst>
-                </a:gridCol>
-                <a:gridCol w="1379225">
-                  <a:extLst>
-                    <a:ext uri="{9D8B030D-6E8A-4147-A177-3AD203B41FA5}">
-                      <a16:colId xmlns:a16="http://schemas.microsoft.com/office/drawing/2014/main" val="20003"/>
-                    </a:ext>
-                  </a:extLst>
-                </a:gridCol>
-                <a:gridCol w="1411375">
-                  <a:extLst>
-                    <a:ext uri="{9D8B030D-6E8A-4147-A177-3AD203B41FA5}">
-                      <a16:colId xmlns:a16="http://schemas.microsoft.com/office/drawing/2014/main" val="20004"/>
-                    </a:ext>
-                  </a:extLst>
-                </a:gridCol>
-              </a:tblGrid>
-              <a:tr h="439425">
-                <a:tc>
-                  <a:txBody>
-                    <a:bodyPr/>
-                    <a:lstStyle/>
-                    <a:p>
-                      <a:pPr marL="0" lvl="0" indent="0" algn="ctr" rtl="0">
-                        <a:spcBef>
-                          <a:spcPts val="0"/>
-                        </a:spcBef>
-                        <a:spcAft>
-                          <a:spcPts val="0"/>
-                        </a:spcAft>
-                        <a:buNone/>
-                      </a:pPr>
-                      <a:r>
-                        <a:rPr lang="en" sz="1200" i="1">
-                          <a:solidFill>
-                            <a:srgbClr val="F9CB9C"/>
-                          </a:solidFill>
-                        </a:rPr>
-                        <a:t>Name</a:t>
-                      </a:r>
-                      <a:endParaRPr sz="1200" i="1">
-                        <a:solidFill>
-                          <a:srgbClr val="F9CB9C"/>
-                        </a:solidFill>
-                      </a:endParaRPr>
-                    </a:p>
-                  </a:txBody>
-                  <a:tcPr marL="91425" marR="91425" marT="91425" marB="91425">
-                    <a:lnL w="19050" cap="flat" cmpd="sng">
-                      <a:solidFill>
-                        <a:srgbClr val="E69138"/>
-                      </a:solidFill>
-                      <a:prstDash val="solid"/>
-                      <a:round/>
-                      <a:headEnd type="none" w="sm" len="sm"/>
-                      <a:tailEnd type="none" w="sm" len="sm"/>
-                    </a:lnL>
-                    <a:lnR w="19050" cap="flat" cmpd="sng">
-                      <a:solidFill>
-                        <a:srgbClr val="E69138"/>
-                      </a:solidFill>
-                      <a:prstDash val="solid"/>
-                      <a:round/>
-                      <a:headEnd type="none" w="sm" len="sm"/>
-                      <a:tailEnd type="none" w="sm" len="sm"/>
-                    </a:lnR>
-                    <a:lnT w="19050" cap="flat" cmpd="sng">
-                      <a:solidFill>
-                        <a:srgbClr val="E69138"/>
-                      </a:solidFill>
-                      <a:prstDash val="solid"/>
-                      <a:round/>
-                      <a:headEnd type="none" w="sm" len="sm"/>
-                      <a:tailEnd type="none" w="sm" len="sm"/>
-                    </a:lnT>
-                    <a:lnB w="19050" cap="flat" cmpd="sng">
-                      <a:solidFill>
-                        <a:srgbClr val="E69138"/>
-                      </a:solidFill>
-                      <a:prstDash val="solid"/>
-                      <a:round/>
-                      <a:headEnd type="none" w="sm" len="sm"/>
-                      <a:tailEnd type="none" w="sm" len="sm"/>
-                    </a:lnB>
-                    <a:solidFill>
-                      <a:srgbClr val="E69138"/>
-                    </a:solidFill>
-                  </a:tcPr>
-                </a:tc>
-                <a:tc>
-                  <a:txBody>
-                    <a:bodyPr/>
-                    <a:lstStyle/>
-                    <a:p>
-                      <a:pPr marL="0" lvl="0" indent="0" algn="ctr" rtl="0">
-                        <a:spcBef>
-                          <a:spcPts val="0"/>
-                        </a:spcBef>
-                        <a:spcAft>
-                          <a:spcPts val="0"/>
-                        </a:spcAft>
-                        <a:buNone/>
-                      </a:pPr>
-                      <a:r>
-                        <a:rPr lang="en" sz="1200" i="1">
-                          <a:solidFill>
-                            <a:srgbClr val="F9CB9C"/>
-                          </a:solidFill>
-                        </a:rPr>
-                        <a:t>Strength</a:t>
-                      </a:r>
-                      <a:endParaRPr sz="1200" i="1">
-                        <a:solidFill>
-                          <a:srgbClr val="F9CB9C"/>
-                        </a:solidFill>
-                      </a:endParaRPr>
-                    </a:p>
-                  </a:txBody>
-                  <a:tcPr marL="91425" marR="91425" marT="91425" marB="91425">
-                    <a:lnL w="19050" cap="flat" cmpd="sng">
-                      <a:solidFill>
-                        <a:srgbClr val="E69138"/>
-                      </a:solidFill>
-                      <a:prstDash val="solid"/>
-                      <a:round/>
-                      <a:headEnd type="none" w="sm" len="sm"/>
-                      <a:tailEnd type="none" w="sm" len="sm"/>
-                    </a:lnL>
-                    <a:lnR w="19050" cap="flat" cmpd="sng">
-                      <a:solidFill>
-                        <a:srgbClr val="E69138"/>
-                      </a:solidFill>
-                      <a:prstDash val="solid"/>
-                      <a:round/>
-                      <a:headEnd type="none" w="sm" len="sm"/>
-                      <a:tailEnd type="none" w="sm" len="sm"/>
-                    </a:lnR>
-                    <a:lnT w="19050" cap="flat" cmpd="sng">
-                      <a:solidFill>
-                        <a:srgbClr val="E69138"/>
-                      </a:solidFill>
-                      <a:prstDash val="solid"/>
-                      <a:round/>
-                      <a:headEnd type="none" w="sm" len="sm"/>
-                      <a:tailEnd type="none" w="sm" len="sm"/>
-                    </a:lnT>
-                    <a:lnB w="19050" cap="flat" cmpd="sng">
-                      <a:solidFill>
-                        <a:srgbClr val="E69138"/>
-                      </a:solidFill>
-                      <a:prstDash val="solid"/>
-                      <a:round/>
-                      <a:headEnd type="none" w="sm" len="sm"/>
-                      <a:tailEnd type="none" w="sm" len="sm"/>
-                    </a:lnB>
-                    <a:solidFill>
-                      <a:srgbClr val="E69138"/>
-                    </a:solidFill>
-                  </a:tcPr>
-                </a:tc>
-                <a:tc>
-                  <a:txBody>
-                    <a:bodyPr/>
-                    <a:lstStyle/>
-                    <a:p>
-                      <a:pPr marL="0" lvl="0" indent="0" algn="ctr" rtl="0">
-                        <a:spcBef>
-                          <a:spcPts val="0"/>
-                        </a:spcBef>
-                        <a:spcAft>
-                          <a:spcPts val="0"/>
-                        </a:spcAft>
-                        <a:buNone/>
-                      </a:pPr>
-                      <a:r>
-                        <a:rPr lang="en" sz="1200" i="1">
-                          <a:solidFill>
-                            <a:srgbClr val="F9CB9C"/>
-                          </a:solidFill>
-                        </a:rPr>
-                        <a:t>Area for improvement</a:t>
-                      </a:r>
-                      <a:endParaRPr sz="1200" i="1">
-                        <a:solidFill>
-                          <a:srgbClr val="F9CB9C"/>
-                        </a:solidFill>
-                      </a:endParaRPr>
-                    </a:p>
-                  </a:txBody>
-                  <a:tcPr marL="91425" marR="91425" marT="91425" marB="91425">
-                    <a:lnL w="19050" cap="flat" cmpd="sng">
-                      <a:solidFill>
-                        <a:srgbClr val="E69138"/>
-                      </a:solidFill>
-                      <a:prstDash val="solid"/>
-                      <a:round/>
-                      <a:headEnd type="none" w="sm" len="sm"/>
-                      <a:tailEnd type="none" w="sm" len="sm"/>
-                    </a:lnL>
-                    <a:lnR w="19050" cap="flat" cmpd="sng">
-                      <a:solidFill>
-                        <a:srgbClr val="E69138"/>
-                      </a:solidFill>
-                      <a:prstDash val="solid"/>
-                      <a:round/>
-                      <a:headEnd type="none" w="sm" len="sm"/>
-                      <a:tailEnd type="none" w="sm" len="sm"/>
-                    </a:lnR>
-                    <a:lnT w="19050" cap="flat" cmpd="sng">
-                      <a:solidFill>
-                        <a:srgbClr val="E69138"/>
-                      </a:solidFill>
-                      <a:prstDash val="solid"/>
-                      <a:round/>
-                      <a:headEnd type="none" w="sm" len="sm"/>
-                      <a:tailEnd type="none" w="sm" len="sm"/>
-                    </a:lnT>
-                    <a:lnB w="19050" cap="flat" cmpd="sng">
-                      <a:solidFill>
-                        <a:srgbClr val="E69138"/>
-                      </a:solidFill>
-                      <a:prstDash val="solid"/>
-                      <a:round/>
-                      <a:headEnd type="none" w="sm" len="sm"/>
-                      <a:tailEnd type="none" w="sm" len="sm"/>
-                    </a:lnB>
-                    <a:solidFill>
-                      <a:srgbClr val="E69138"/>
-                    </a:solidFill>
-                  </a:tcPr>
-                </a:tc>
-                <a:tc>
-                  <a:txBody>
-                    <a:bodyPr/>
-                    <a:lstStyle/>
-                    <a:p>
-                      <a:pPr marL="0" lvl="0" indent="0" algn="ctr" rtl="0">
-                        <a:spcBef>
-                          <a:spcPts val="0"/>
-                        </a:spcBef>
-                        <a:spcAft>
-                          <a:spcPts val="0"/>
-                        </a:spcAft>
-                        <a:buNone/>
-                      </a:pPr>
-                      <a:r>
-                        <a:rPr lang="en" sz="1200" i="1">
-                          <a:solidFill>
-                            <a:srgbClr val="F9CB9C"/>
-                          </a:solidFill>
-                        </a:rPr>
-                        <a:t>Commitment</a:t>
-                      </a:r>
-                      <a:endParaRPr sz="1200" i="1">
-                        <a:solidFill>
-                          <a:srgbClr val="F9CB9C"/>
-                        </a:solidFill>
-                      </a:endParaRPr>
-                    </a:p>
-                  </a:txBody>
-                  <a:tcPr marL="91425" marR="91425" marT="91425" marB="91425">
-                    <a:lnL w="19050" cap="flat" cmpd="sng">
-                      <a:solidFill>
-                        <a:srgbClr val="E69138"/>
-                      </a:solidFill>
-                      <a:prstDash val="solid"/>
-                      <a:round/>
-                      <a:headEnd type="none" w="sm" len="sm"/>
-                      <a:tailEnd type="none" w="sm" len="sm"/>
-                    </a:lnL>
-                    <a:lnR w="19050" cap="flat" cmpd="sng">
-                      <a:solidFill>
-                        <a:srgbClr val="E69138"/>
-                      </a:solidFill>
-                      <a:prstDash val="solid"/>
-                      <a:round/>
-                      <a:headEnd type="none" w="sm" len="sm"/>
-                      <a:tailEnd type="none" w="sm" len="sm"/>
-                    </a:lnR>
-                    <a:lnT w="19050" cap="flat" cmpd="sng">
-                      <a:solidFill>
-                        <a:srgbClr val="E69138"/>
-                      </a:solidFill>
-                      <a:prstDash val="solid"/>
-                      <a:round/>
-                      <a:headEnd type="none" w="sm" len="sm"/>
-                      <a:tailEnd type="none" w="sm" len="sm"/>
-                    </a:lnT>
-                    <a:lnB w="19050" cap="flat" cmpd="sng">
-                      <a:solidFill>
-                        <a:srgbClr val="E69138"/>
-                      </a:solidFill>
-                      <a:prstDash val="solid"/>
-                      <a:round/>
-                      <a:headEnd type="none" w="sm" len="sm"/>
-                      <a:tailEnd type="none" w="sm" len="sm"/>
-                    </a:lnB>
-                    <a:solidFill>
-                      <a:srgbClr val="E69138"/>
-                    </a:solidFill>
-                  </a:tcPr>
-                </a:tc>
-                <a:tc>
-                  <a:txBody>
-                    <a:bodyPr/>
-                    <a:lstStyle/>
-                    <a:p>
-                      <a:pPr marL="0" lvl="0" indent="0" algn="ctr" rtl="0">
-                        <a:spcBef>
-                          <a:spcPts val="0"/>
-                        </a:spcBef>
-                        <a:spcAft>
-                          <a:spcPts val="0"/>
-                        </a:spcAft>
-                        <a:buNone/>
-                      </a:pPr>
-                      <a:r>
-                        <a:rPr lang="en" sz="1200" i="1">
-                          <a:solidFill>
-                            <a:srgbClr val="F9CB9C"/>
-                          </a:solidFill>
-                        </a:rPr>
-                        <a:t>Metric</a:t>
-                      </a:r>
-                      <a:endParaRPr sz="1200" i="1">
-                        <a:solidFill>
-                          <a:srgbClr val="F9CB9C"/>
-                        </a:solidFill>
-                      </a:endParaRPr>
-                    </a:p>
-                  </a:txBody>
-                  <a:tcPr marL="91425" marR="91425" marT="91425" marB="91425">
-                    <a:lnL w="19050" cap="flat" cmpd="sng">
-                      <a:solidFill>
-                        <a:srgbClr val="E69138"/>
-                      </a:solidFill>
-                      <a:prstDash val="solid"/>
-                      <a:round/>
-                      <a:headEnd type="none" w="sm" len="sm"/>
-                      <a:tailEnd type="none" w="sm" len="sm"/>
-                    </a:lnL>
-                    <a:lnR w="19050" cap="flat" cmpd="sng">
-                      <a:solidFill>
-                        <a:srgbClr val="E69138"/>
-                      </a:solidFill>
-                      <a:prstDash val="solid"/>
-                      <a:round/>
-                      <a:headEnd type="none" w="sm" len="sm"/>
-                      <a:tailEnd type="none" w="sm" len="sm"/>
-                    </a:lnR>
-                    <a:lnT w="19050" cap="flat" cmpd="sng">
-                      <a:solidFill>
-                        <a:srgbClr val="E69138"/>
-                      </a:solidFill>
-                      <a:prstDash val="solid"/>
-                      <a:round/>
-                      <a:headEnd type="none" w="sm" len="sm"/>
-                      <a:tailEnd type="none" w="sm" len="sm"/>
-                    </a:lnT>
-                    <a:lnB w="19050" cap="flat" cmpd="sng">
-                      <a:solidFill>
-                        <a:srgbClr val="E69138"/>
-                      </a:solidFill>
-                      <a:prstDash val="solid"/>
-                      <a:round/>
-                      <a:headEnd type="none" w="sm" len="sm"/>
-                      <a:tailEnd type="none" w="sm" len="sm"/>
-                    </a:lnB>
-                    <a:solidFill>
-                      <a:srgbClr val="E69138"/>
-                    </a:solidFill>
-                  </a:tcPr>
-                </a:tc>
-                <a:extLst>
-                  <a:ext uri="{0D108BD9-81ED-4DB2-BD59-A6C34878D82A}">
-                    <a16:rowId xmlns:a16="http://schemas.microsoft.com/office/drawing/2014/main" val="10000"/>
-                  </a:ext>
-                </a:extLst>
-              </a:tr>
-              <a:tr h="1847200">
-                <a:tc>
-                  <a:txBody>
-                    <a:bodyPr/>
-                    <a:lstStyle/>
-                    <a:p>
-                      <a:pPr marL="0" lvl="0" indent="0" algn="l" rtl="0">
-                        <a:spcBef>
-                          <a:spcPts val="0"/>
-                        </a:spcBef>
-                        <a:spcAft>
-                          <a:spcPts val="0"/>
-                        </a:spcAft>
-                        <a:buNone/>
-                      </a:pPr>
-                      <a:endParaRPr sz="1200"/>
-                    </a:p>
-                  </a:txBody>
-                  <a:tcPr marL="91425" marR="91425" marT="91425" marB="91425">
-                    <a:lnL w="19050" cap="flat" cmpd="sng">
-                      <a:solidFill>
-                        <a:srgbClr val="E69138"/>
-                      </a:solidFill>
-                      <a:prstDash val="solid"/>
-                      <a:round/>
-                      <a:headEnd type="none" w="sm" len="sm"/>
-                      <a:tailEnd type="none" w="sm" len="sm"/>
-                    </a:lnL>
-                    <a:lnR w="19050" cap="flat" cmpd="sng">
-                      <a:solidFill>
-                        <a:srgbClr val="E69138"/>
-                      </a:solidFill>
-                      <a:prstDash val="solid"/>
-                      <a:round/>
-                      <a:headEnd type="none" w="sm" len="sm"/>
-                      <a:tailEnd type="none" w="sm" len="sm"/>
-                    </a:lnR>
-                    <a:lnT w="19050" cap="flat" cmpd="sng">
-                      <a:solidFill>
-                        <a:srgbClr val="E69138"/>
-                      </a:solidFill>
-                      <a:prstDash val="solid"/>
-                      <a:round/>
-                      <a:headEnd type="none" w="sm" len="sm"/>
-                      <a:tailEnd type="none" w="sm" len="sm"/>
-                    </a:lnT>
-                    <a:lnB w="19050" cap="flat" cmpd="sng">
-                      <a:solidFill>
-                        <a:srgbClr val="E69138"/>
-                      </a:solidFill>
-                      <a:prstDash val="solid"/>
-                      <a:round/>
-                      <a:headEnd type="none" w="sm" len="sm"/>
-                      <a:tailEnd type="none" w="sm" len="sm"/>
-                    </a:lnB>
-                    <a:solidFill>
-                      <a:srgbClr val="FFFFFF"/>
-                    </a:solidFill>
-                  </a:tcPr>
-                </a:tc>
-                <a:tc>
-                  <a:txBody>
-                    <a:bodyPr/>
-                    <a:lstStyle/>
-                    <a:p>
-                      <a:pPr marL="457200" lvl="0" indent="0" algn="l" rtl="0">
-                        <a:spcBef>
-                          <a:spcPts val="0"/>
-                        </a:spcBef>
-                        <a:spcAft>
-                          <a:spcPts val="0"/>
-                        </a:spcAft>
-                        <a:buNone/>
-                      </a:pPr>
-                      <a:endParaRPr sz="1200"/>
-                    </a:p>
-                  </a:txBody>
-                  <a:tcPr marL="91425" marR="91425" marT="91425" marB="91425">
-                    <a:lnL w="19050" cap="flat" cmpd="sng">
-                      <a:solidFill>
-                        <a:srgbClr val="E69138"/>
-                      </a:solidFill>
-                      <a:prstDash val="solid"/>
-                      <a:round/>
-                      <a:headEnd type="none" w="sm" len="sm"/>
-                      <a:tailEnd type="none" w="sm" len="sm"/>
-                    </a:lnL>
-                    <a:lnR w="19050" cap="flat" cmpd="sng">
-                      <a:solidFill>
-                        <a:srgbClr val="E69138"/>
-                      </a:solidFill>
-                      <a:prstDash val="solid"/>
-                      <a:round/>
-                      <a:headEnd type="none" w="sm" len="sm"/>
-                      <a:tailEnd type="none" w="sm" len="sm"/>
-                    </a:lnR>
-                    <a:lnT w="19050" cap="flat" cmpd="sng">
-                      <a:solidFill>
-                        <a:srgbClr val="E69138"/>
-                      </a:solidFill>
-                      <a:prstDash val="solid"/>
-                      <a:round/>
-                      <a:headEnd type="none" w="sm" len="sm"/>
-                      <a:tailEnd type="none" w="sm" len="sm"/>
-                    </a:lnT>
-                    <a:lnB w="19050" cap="flat" cmpd="sng">
-                      <a:solidFill>
-                        <a:srgbClr val="E69138"/>
-                      </a:solidFill>
-                      <a:prstDash val="solid"/>
-                      <a:round/>
-                      <a:headEnd type="none" w="sm" len="sm"/>
-                      <a:tailEnd type="none" w="sm" len="sm"/>
-                    </a:lnB>
-                    <a:solidFill>
-                      <a:srgbClr val="FFFFFF"/>
-                    </a:solidFill>
-                  </a:tcPr>
-                </a:tc>
-                <a:tc>
-                  <a:txBody>
-                    <a:bodyPr/>
-                    <a:lstStyle/>
-                    <a:p>
-                      <a:pPr marL="457200" lvl="0" indent="0" algn="l" rtl="0">
-                        <a:spcBef>
-                          <a:spcPts val="0"/>
-                        </a:spcBef>
-                        <a:spcAft>
-                          <a:spcPts val="0"/>
-                        </a:spcAft>
-                        <a:buNone/>
-                      </a:pPr>
-                      <a:endParaRPr/>
-                    </a:p>
-                  </a:txBody>
-                  <a:tcPr marL="91425" marR="91425" marT="91425" marB="91425">
-                    <a:lnL w="19050" cap="flat" cmpd="sng">
-                      <a:solidFill>
-                        <a:srgbClr val="E69138"/>
-                      </a:solidFill>
-                      <a:prstDash val="solid"/>
-                      <a:round/>
-                      <a:headEnd type="none" w="sm" len="sm"/>
-                      <a:tailEnd type="none" w="sm" len="sm"/>
-                    </a:lnL>
-                    <a:lnR w="19050" cap="flat" cmpd="sng">
-                      <a:solidFill>
-                        <a:srgbClr val="E69138"/>
-                      </a:solidFill>
-                      <a:prstDash val="solid"/>
-                      <a:round/>
-                      <a:headEnd type="none" w="sm" len="sm"/>
-                      <a:tailEnd type="none" w="sm" len="sm"/>
-                    </a:lnR>
-                    <a:lnT w="19050" cap="flat" cmpd="sng">
-                      <a:solidFill>
-                        <a:srgbClr val="E69138"/>
-                      </a:solidFill>
-                      <a:prstDash val="solid"/>
-                      <a:round/>
-                      <a:headEnd type="none" w="sm" len="sm"/>
-                      <a:tailEnd type="none" w="sm" len="sm"/>
-                    </a:lnT>
-                    <a:lnB w="19050" cap="flat" cmpd="sng">
-                      <a:solidFill>
-                        <a:srgbClr val="E69138"/>
-                      </a:solidFill>
-                      <a:prstDash val="solid"/>
-                      <a:round/>
-                      <a:headEnd type="none" w="sm" len="sm"/>
-                      <a:tailEnd type="none" w="sm" len="sm"/>
-                    </a:lnB>
-                    <a:solidFill>
-                      <a:srgbClr val="FFFFFF"/>
-                    </a:solidFill>
-                  </a:tcPr>
-                </a:tc>
-                <a:tc>
-                  <a:txBody>
-                    <a:bodyPr/>
-                    <a:lstStyle/>
-                    <a:p>
-                      <a:pPr marL="0" lvl="0" indent="0" algn="l" rtl="0">
-                        <a:spcBef>
-                          <a:spcPts val="0"/>
-                        </a:spcBef>
-                        <a:spcAft>
-                          <a:spcPts val="0"/>
-                        </a:spcAft>
-                        <a:buNone/>
-                      </a:pPr>
-                      <a:endParaRPr sz="1200"/>
-                    </a:p>
-                  </a:txBody>
-                  <a:tcPr marL="91425" marR="91425" marT="91425" marB="91425">
-                    <a:lnL w="19050" cap="flat" cmpd="sng">
-                      <a:solidFill>
-                        <a:srgbClr val="E69138"/>
-                      </a:solidFill>
-                      <a:prstDash val="solid"/>
-                      <a:round/>
-                      <a:headEnd type="none" w="sm" len="sm"/>
-                      <a:tailEnd type="none" w="sm" len="sm"/>
-                    </a:lnL>
-                    <a:lnR w="19050" cap="flat" cmpd="sng">
-                      <a:solidFill>
-                        <a:srgbClr val="E69138"/>
-                      </a:solidFill>
-                      <a:prstDash val="solid"/>
-                      <a:round/>
-                      <a:headEnd type="none" w="sm" len="sm"/>
-                      <a:tailEnd type="none" w="sm" len="sm"/>
-                    </a:lnR>
-                    <a:lnT w="19050" cap="flat" cmpd="sng">
-                      <a:solidFill>
-                        <a:srgbClr val="E69138"/>
-                      </a:solidFill>
-                      <a:prstDash val="solid"/>
-                      <a:round/>
-                      <a:headEnd type="none" w="sm" len="sm"/>
-                      <a:tailEnd type="none" w="sm" len="sm"/>
-                    </a:lnT>
-                    <a:lnB w="19050" cap="flat" cmpd="sng">
-                      <a:solidFill>
-                        <a:srgbClr val="E69138"/>
-                      </a:solidFill>
-                      <a:prstDash val="solid"/>
-                      <a:round/>
-                      <a:headEnd type="none" w="sm" len="sm"/>
-                      <a:tailEnd type="none" w="sm" len="sm"/>
-                    </a:lnB>
-                    <a:solidFill>
-                      <a:srgbClr val="FFFFFF"/>
-                    </a:solidFill>
-                  </a:tcPr>
-                </a:tc>
-                <a:tc>
-                  <a:txBody>
-                    <a:bodyPr/>
-                    <a:lstStyle/>
-                    <a:p>
-                      <a:pPr marL="0" lvl="0" indent="0" algn="l" rtl="0">
-                        <a:spcBef>
-                          <a:spcPts val="0"/>
-                        </a:spcBef>
-                        <a:spcAft>
-                          <a:spcPts val="0"/>
-                        </a:spcAft>
-                        <a:buNone/>
-                      </a:pPr>
-                      <a:endParaRPr sz="1200">
-                        <a:solidFill>
-                          <a:schemeClr val="dk1"/>
-                        </a:solidFill>
-                      </a:endParaRPr>
-                    </a:p>
-                  </a:txBody>
-                  <a:tcPr marL="91425" marR="91425" marT="91425" marB="91425">
-                    <a:lnL w="19050" cap="flat" cmpd="sng">
-                      <a:solidFill>
-                        <a:srgbClr val="E69138"/>
-                      </a:solidFill>
-                      <a:prstDash val="solid"/>
-                      <a:round/>
-                      <a:headEnd type="none" w="sm" len="sm"/>
-                      <a:tailEnd type="none" w="sm" len="sm"/>
-                    </a:lnL>
-                    <a:lnR w="19050" cap="flat" cmpd="sng">
-                      <a:solidFill>
-                        <a:srgbClr val="E69138"/>
-                      </a:solidFill>
-                      <a:prstDash val="solid"/>
-                      <a:round/>
-                      <a:headEnd type="none" w="sm" len="sm"/>
-                      <a:tailEnd type="none" w="sm" len="sm"/>
-                    </a:lnR>
-                    <a:lnT w="19050" cap="flat" cmpd="sng">
-                      <a:solidFill>
-                        <a:srgbClr val="E69138"/>
-                      </a:solidFill>
-                      <a:prstDash val="solid"/>
-                      <a:round/>
-                      <a:headEnd type="none" w="sm" len="sm"/>
-                      <a:tailEnd type="none" w="sm" len="sm"/>
-                    </a:lnT>
-                    <a:lnB w="19050" cap="flat" cmpd="sng">
-                      <a:solidFill>
-                        <a:srgbClr val="E69138"/>
-                      </a:solidFill>
-                      <a:prstDash val="solid"/>
-                      <a:round/>
-                      <a:headEnd type="none" w="sm" len="sm"/>
-                      <a:tailEnd type="none" w="sm" len="sm"/>
-                    </a:lnB>
-                    <a:solidFill>
-                      <a:srgbClr val="FFFFFF"/>
-                    </a:solidFill>
-                  </a:tcPr>
-                </a:tc>
-                <a:extLst>
-                  <a:ext uri="{0D108BD9-81ED-4DB2-BD59-A6C34878D82A}">
-                    <a16:rowId xmlns:a16="http://schemas.microsoft.com/office/drawing/2014/main" val="10001"/>
-                  </a:ext>
-                </a:extLst>
-              </a:tr>
-            </a:tbl>
-          </a:graphicData>
-        </a:graphic>
-      </p:graphicFrame>
-      <p:graphicFrame>
-        <p:nvGraphicFramePr>
-          <p:cNvPr id="125" name="Google Shape;125;p22"/>
-          <p:cNvGraphicFramePr/>
-          <p:nvPr/>
-        </p:nvGraphicFramePr>
-        <p:xfrm>
-          <a:off x="247388" y="2763175"/>
-          <a:ext cx="3000000" cy="3000000"/>
-        </p:xfrm>
-        <a:graphic>
-          <a:graphicData uri="http://schemas.openxmlformats.org/drawingml/2006/table">
-            <a:tbl>
-              <a:tblPr>
-                <a:noFill/>
-                <a:tableStyleId>{ECAE0272-A8DE-442C-B887-56A116A69902}</a:tableStyleId>
-              </a:tblPr>
-              <a:tblGrid>
-                <a:gridCol w="1071700">
-                  <a:extLst>
-                    <a:ext uri="{9D8B030D-6E8A-4147-A177-3AD203B41FA5}">
-                      <a16:colId xmlns:a16="http://schemas.microsoft.com/office/drawing/2014/main" val="20000"/>
-                    </a:ext>
-                  </a:extLst>
-                </a:gridCol>
-                <a:gridCol w="1979300">
-                  <a:extLst>
-                    <a:ext uri="{9D8B030D-6E8A-4147-A177-3AD203B41FA5}">
-                      <a16:colId xmlns:a16="http://schemas.microsoft.com/office/drawing/2014/main" val="20001"/>
-                    </a:ext>
-                  </a:extLst>
-                </a:gridCol>
-                <a:gridCol w="2600825">
-                  <a:extLst>
-                    <a:ext uri="{9D8B030D-6E8A-4147-A177-3AD203B41FA5}">
-                      <a16:colId xmlns:a16="http://schemas.microsoft.com/office/drawing/2014/main" val="20002"/>
-                    </a:ext>
-                  </a:extLst>
-                </a:gridCol>
-                <a:gridCol w="1379225">
-                  <a:extLst>
-                    <a:ext uri="{9D8B030D-6E8A-4147-A177-3AD203B41FA5}">
-                      <a16:colId xmlns:a16="http://schemas.microsoft.com/office/drawing/2014/main" val="20003"/>
-                    </a:ext>
-                  </a:extLst>
-                </a:gridCol>
-                <a:gridCol w="1411375">
-                  <a:extLst>
-                    <a:ext uri="{9D8B030D-6E8A-4147-A177-3AD203B41FA5}">
-                      <a16:colId xmlns:a16="http://schemas.microsoft.com/office/drawing/2014/main" val="20004"/>
-                    </a:ext>
-                  </a:extLst>
-                </a:gridCol>
-              </a:tblGrid>
-              <a:tr h="439425">
-                <a:tc>
-                  <a:txBody>
-                    <a:bodyPr/>
-                    <a:lstStyle/>
-                    <a:p>
-                      <a:pPr marL="0" lvl="0" indent="0" algn="ctr" rtl="0">
-                        <a:spcBef>
-                          <a:spcPts val="0"/>
-                        </a:spcBef>
-                        <a:spcAft>
-                          <a:spcPts val="0"/>
-                        </a:spcAft>
-                        <a:buNone/>
-                      </a:pPr>
-                      <a:r>
-                        <a:rPr lang="en" sz="1200" i="1">
-                          <a:solidFill>
-                            <a:srgbClr val="F9CB9C"/>
-                          </a:solidFill>
-                        </a:rPr>
-                        <a:t>Name</a:t>
-                      </a:r>
-                      <a:endParaRPr sz="1200" i="1">
-                        <a:solidFill>
-                          <a:srgbClr val="F9CB9C"/>
-                        </a:solidFill>
-                      </a:endParaRPr>
-                    </a:p>
-                  </a:txBody>
-                  <a:tcPr marL="91425" marR="91425" marT="91425" marB="91425">
-                    <a:lnL w="19050" cap="flat" cmpd="sng">
-                      <a:solidFill>
-                        <a:srgbClr val="E69138"/>
-                      </a:solidFill>
-                      <a:prstDash val="solid"/>
-                      <a:round/>
-                      <a:headEnd type="none" w="sm" len="sm"/>
-                      <a:tailEnd type="none" w="sm" len="sm"/>
-                    </a:lnL>
-                    <a:lnR w="19050" cap="flat" cmpd="sng">
-                      <a:solidFill>
-                        <a:srgbClr val="E69138"/>
-                      </a:solidFill>
-                      <a:prstDash val="solid"/>
-                      <a:round/>
-                      <a:headEnd type="none" w="sm" len="sm"/>
-                      <a:tailEnd type="none" w="sm" len="sm"/>
-                    </a:lnR>
-                    <a:lnT w="19050" cap="flat" cmpd="sng">
-                      <a:solidFill>
-                        <a:srgbClr val="E69138"/>
-                      </a:solidFill>
-                      <a:prstDash val="solid"/>
-                      <a:round/>
-                      <a:headEnd type="none" w="sm" len="sm"/>
-                      <a:tailEnd type="none" w="sm" len="sm"/>
-                    </a:lnT>
-                    <a:lnB w="19050" cap="flat" cmpd="sng">
-                      <a:solidFill>
-                        <a:srgbClr val="E69138"/>
-                      </a:solidFill>
-                      <a:prstDash val="solid"/>
-                      <a:round/>
-                      <a:headEnd type="none" w="sm" len="sm"/>
-                      <a:tailEnd type="none" w="sm" len="sm"/>
-                    </a:lnB>
-                    <a:solidFill>
-                      <a:srgbClr val="E69138"/>
-                    </a:solidFill>
-                  </a:tcPr>
-                </a:tc>
-                <a:tc>
-                  <a:txBody>
-                    <a:bodyPr/>
-                    <a:lstStyle/>
-                    <a:p>
-                      <a:pPr marL="0" lvl="0" indent="0" algn="ctr" rtl="0">
-                        <a:spcBef>
-                          <a:spcPts val="0"/>
-                        </a:spcBef>
-                        <a:spcAft>
-                          <a:spcPts val="0"/>
-                        </a:spcAft>
-                        <a:buNone/>
-                      </a:pPr>
-                      <a:r>
-                        <a:rPr lang="en" sz="1200" i="1">
-                          <a:solidFill>
-                            <a:srgbClr val="F9CB9C"/>
-                          </a:solidFill>
-                        </a:rPr>
-                        <a:t>Strength</a:t>
-                      </a:r>
-                      <a:endParaRPr sz="1200" i="1">
-                        <a:solidFill>
-                          <a:srgbClr val="F9CB9C"/>
-                        </a:solidFill>
-                      </a:endParaRPr>
-                    </a:p>
-                  </a:txBody>
-                  <a:tcPr marL="91425" marR="91425" marT="91425" marB="91425">
-                    <a:lnL w="19050" cap="flat" cmpd="sng">
-                      <a:solidFill>
-                        <a:srgbClr val="E69138"/>
-                      </a:solidFill>
-                      <a:prstDash val="solid"/>
-                      <a:round/>
-                      <a:headEnd type="none" w="sm" len="sm"/>
-                      <a:tailEnd type="none" w="sm" len="sm"/>
-                    </a:lnL>
-                    <a:lnR w="19050" cap="flat" cmpd="sng">
-                      <a:solidFill>
-                        <a:srgbClr val="E69138"/>
-                      </a:solidFill>
-                      <a:prstDash val="solid"/>
-                      <a:round/>
-                      <a:headEnd type="none" w="sm" len="sm"/>
-                      <a:tailEnd type="none" w="sm" len="sm"/>
-                    </a:lnR>
-                    <a:lnT w="19050" cap="flat" cmpd="sng">
-                      <a:solidFill>
-                        <a:srgbClr val="E69138"/>
-                      </a:solidFill>
-                      <a:prstDash val="solid"/>
-                      <a:round/>
-                      <a:headEnd type="none" w="sm" len="sm"/>
-                      <a:tailEnd type="none" w="sm" len="sm"/>
-                    </a:lnT>
-                    <a:lnB w="19050" cap="flat" cmpd="sng">
-                      <a:solidFill>
-                        <a:srgbClr val="E69138"/>
-                      </a:solidFill>
-                      <a:prstDash val="solid"/>
-                      <a:round/>
-                      <a:headEnd type="none" w="sm" len="sm"/>
-                      <a:tailEnd type="none" w="sm" len="sm"/>
-                    </a:lnB>
-                    <a:solidFill>
-                      <a:srgbClr val="E69138"/>
-                    </a:solidFill>
-                  </a:tcPr>
-                </a:tc>
-                <a:tc>
-                  <a:txBody>
-                    <a:bodyPr/>
-                    <a:lstStyle/>
-                    <a:p>
-                      <a:pPr marL="0" lvl="0" indent="0" algn="ctr" rtl="0">
-                        <a:spcBef>
-                          <a:spcPts val="0"/>
-                        </a:spcBef>
-                        <a:spcAft>
-                          <a:spcPts val="0"/>
-                        </a:spcAft>
-                        <a:buNone/>
-                      </a:pPr>
-                      <a:r>
-                        <a:rPr lang="en" sz="1200" i="1">
-                          <a:solidFill>
-                            <a:srgbClr val="F9CB9C"/>
-                          </a:solidFill>
-                        </a:rPr>
-                        <a:t>Area for improvement</a:t>
-                      </a:r>
-                      <a:endParaRPr sz="1200" i="1">
-                        <a:solidFill>
-                          <a:srgbClr val="F9CB9C"/>
-                        </a:solidFill>
-                      </a:endParaRPr>
-                    </a:p>
-                  </a:txBody>
-                  <a:tcPr marL="91425" marR="91425" marT="91425" marB="91425">
-                    <a:lnL w="19050" cap="flat" cmpd="sng">
-                      <a:solidFill>
-                        <a:srgbClr val="E69138"/>
-                      </a:solidFill>
-                      <a:prstDash val="solid"/>
-                      <a:round/>
-                      <a:headEnd type="none" w="sm" len="sm"/>
-                      <a:tailEnd type="none" w="sm" len="sm"/>
-                    </a:lnL>
-                    <a:lnR w="19050" cap="flat" cmpd="sng">
-                      <a:solidFill>
-                        <a:srgbClr val="E69138"/>
-                      </a:solidFill>
-                      <a:prstDash val="solid"/>
-                      <a:round/>
-                      <a:headEnd type="none" w="sm" len="sm"/>
-                      <a:tailEnd type="none" w="sm" len="sm"/>
-                    </a:lnR>
-                    <a:lnT w="19050" cap="flat" cmpd="sng">
-                      <a:solidFill>
-                        <a:srgbClr val="E69138"/>
-                      </a:solidFill>
-                      <a:prstDash val="solid"/>
-                      <a:round/>
-                      <a:headEnd type="none" w="sm" len="sm"/>
-                      <a:tailEnd type="none" w="sm" len="sm"/>
-                    </a:lnT>
-                    <a:lnB w="19050" cap="flat" cmpd="sng">
-                      <a:solidFill>
-                        <a:srgbClr val="E69138"/>
-                      </a:solidFill>
-                      <a:prstDash val="solid"/>
-                      <a:round/>
-                      <a:headEnd type="none" w="sm" len="sm"/>
-                      <a:tailEnd type="none" w="sm" len="sm"/>
-                    </a:lnB>
-                    <a:solidFill>
-                      <a:srgbClr val="E69138"/>
-                    </a:solidFill>
-                  </a:tcPr>
-                </a:tc>
-                <a:tc>
-                  <a:txBody>
-                    <a:bodyPr/>
-                    <a:lstStyle/>
-                    <a:p>
-                      <a:pPr marL="0" lvl="0" indent="0" algn="ctr" rtl="0">
-                        <a:spcBef>
-                          <a:spcPts val="0"/>
-                        </a:spcBef>
-                        <a:spcAft>
-                          <a:spcPts val="0"/>
-                        </a:spcAft>
-                        <a:buNone/>
-                      </a:pPr>
-                      <a:r>
-                        <a:rPr lang="en" sz="1200" i="1">
-                          <a:solidFill>
-                            <a:srgbClr val="F9CB9C"/>
-                          </a:solidFill>
-                        </a:rPr>
-                        <a:t>Commitment</a:t>
-                      </a:r>
-                      <a:endParaRPr sz="1200" i="1">
-                        <a:solidFill>
-                          <a:srgbClr val="F9CB9C"/>
-                        </a:solidFill>
-                      </a:endParaRPr>
-                    </a:p>
-                  </a:txBody>
-                  <a:tcPr marL="91425" marR="91425" marT="91425" marB="91425">
-                    <a:lnL w="19050" cap="flat" cmpd="sng">
-                      <a:solidFill>
-                        <a:srgbClr val="E69138"/>
-                      </a:solidFill>
-                      <a:prstDash val="solid"/>
-                      <a:round/>
-                      <a:headEnd type="none" w="sm" len="sm"/>
-                      <a:tailEnd type="none" w="sm" len="sm"/>
-                    </a:lnL>
-                    <a:lnR w="19050" cap="flat" cmpd="sng">
-                      <a:solidFill>
-                        <a:srgbClr val="E69138"/>
-                      </a:solidFill>
-                      <a:prstDash val="solid"/>
-                      <a:round/>
-                      <a:headEnd type="none" w="sm" len="sm"/>
-                      <a:tailEnd type="none" w="sm" len="sm"/>
-                    </a:lnR>
-                    <a:lnT w="19050" cap="flat" cmpd="sng">
-                      <a:solidFill>
-                        <a:srgbClr val="E69138"/>
-                      </a:solidFill>
-                      <a:prstDash val="solid"/>
-                      <a:round/>
-                      <a:headEnd type="none" w="sm" len="sm"/>
-                      <a:tailEnd type="none" w="sm" len="sm"/>
-                    </a:lnT>
-                    <a:lnB w="19050" cap="flat" cmpd="sng">
-                      <a:solidFill>
-                        <a:srgbClr val="E69138"/>
-                      </a:solidFill>
-                      <a:prstDash val="solid"/>
-                      <a:round/>
-                      <a:headEnd type="none" w="sm" len="sm"/>
-                      <a:tailEnd type="none" w="sm" len="sm"/>
-                    </a:lnB>
-                    <a:solidFill>
-                      <a:srgbClr val="E69138"/>
-                    </a:solidFill>
-                  </a:tcPr>
-                </a:tc>
-                <a:tc>
-                  <a:txBody>
-                    <a:bodyPr/>
-                    <a:lstStyle/>
-                    <a:p>
-                      <a:pPr marL="0" lvl="0" indent="0" algn="ctr" rtl="0">
-                        <a:spcBef>
-                          <a:spcPts val="0"/>
-                        </a:spcBef>
-                        <a:spcAft>
-                          <a:spcPts val="0"/>
-                        </a:spcAft>
-                        <a:buNone/>
-                      </a:pPr>
-                      <a:r>
-                        <a:rPr lang="en" sz="1200" i="1">
-                          <a:solidFill>
-                            <a:srgbClr val="F9CB9C"/>
-                          </a:solidFill>
-                        </a:rPr>
-                        <a:t>Metric</a:t>
-                      </a:r>
-                      <a:endParaRPr sz="1200" i="1">
-                        <a:solidFill>
-                          <a:srgbClr val="F9CB9C"/>
-                        </a:solidFill>
-                      </a:endParaRPr>
-                    </a:p>
-                  </a:txBody>
-                  <a:tcPr marL="91425" marR="91425" marT="91425" marB="91425">
-                    <a:lnL w="19050" cap="flat" cmpd="sng">
-                      <a:solidFill>
-                        <a:srgbClr val="E69138"/>
-                      </a:solidFill>
-                      <a:prstDash val="solid"/>
-                      <a:round/>
-                      <a:headEnd type="none" w="sm" len="sm"/>
-                      <a:tailEnd type="none" w="sm" len="sm"/>
-                    </a:lnL>
-                    <a:lnR w="19050" cap="flat" cmpd="sng">
-                      <a:solidFill>
-                        <a:srgbClr val="E69138"/>
-                      </a:solidFill>
-                      <a:prstDash val="solid"/>
-                      <a:round/>
-                      <a:headEnd type="none" w="sm" len="sm"/>
-                      <a:tailEnd type="none" w="sm" len="sm"/>
-                    </a:lnR>
-                    <a:lnT w="19050" cap="flat" cmpd="sng">
-                      <a:solidFill>
-                        <a:srgbClr val="E69138"/>
-                      </a:solidFill>
-                      <a:prstDash val="solid"/>
-                      <a:round/>
-                      <a:headEnd type="none" w="sm" len="sm"/>
-                      <a:tailEnd type="none" w="sm" len="sm"/>
-                    </a:lnT>
-                    <a:lnB w="19050" cap="flat" cmpd="sng">
-                      <a:solidFill>
-                        <a:srgbClr val="E69138"/>
-                      </a:solidFill>
-                      <a:prstDash val="solid"/>
-                      <a:round/>
-                      <a:headEnd type="none" w="sm" len="sm"/>
-                      <a:tailEnd type="none" w="sm" len="sm"/>
-                    </a:lnB>
-                    <a:solidFill>
-                      <a:srgbClr val="E69138"/>
-                    </a:solidFill>
-                  </a:tcPr>
-                </a:tc>
-                <a:extLst>
-                  <a:ext uri="{0D108BD9-81ED-4DB2-BD59-A6C34878D82A}">
-                    <a16:rowId xmlns:a16="http://schemas.microsoft.com/office/drawing/2014/main" val="10000"/>
-                  </a:ext>
-                </a:extLst>
-              </a:tr>
-              <a:tr h="1847200">
-                <a:tc>
-                  <a:txBody>
-                    <a:bodyPr/>
-                    <a:lstStyle/>
-                    <a:p>
-                      <a:pPr marL="0" lvl="0" indent="0" algn="l" rtl="0">
-                        <a:spcBef>
-                          <a:spcPts val="0"/>
-                        </a:spcBef>
-                        <a:spcAft>
-                          <a:spcPts val="0"/>
-                        </a:spcAft>
-                        <a:buNone/>
-                      </a:pPr>
-                      <a:endParaRPr/>
-                    </a:p>
-                  </a:txBody>
-                  <a:tcPr marL="91425" marR="91425" marT="91425" marB="91425">
-                    <a:lnL w="19050" cap="flat" cmpd="sng">
-                      <a:solidFill>
-                        <a:srgbClr val="E69138"/>
-                      </a:solidFill>
-                      <a:prstDash val="solid"/>
-                      <a:round/>
-                      <a:headEnd type="none" w="sm" len="sm"/>
-                      <a:tailEnd type="none" w="sm" len="sm"/>
-                    </a:lnL>
-                    <a:lnR w="19050" cap="flat" cmpd="sng">
-                      <a:solidFill>
-                        <a:srgbClr val="E69138"/>
-                      </a:solidFill>
-                      <a:prstDash val="solid"/>
-                      <a:round/>
-                      <a:headEnd type="none" w="sm" len="sm"/>
-                      <a:tailEnd type="none" w="sm" len="sm"/>
-                    </a:lnR>
-                    <a:lnT w="19050" cap="flat" cmpd="sng">
-                      <a:solidFill>
-                        <a:srgbClr val="E69138"/>
-                      </a:solidFill>
-                      <a:prstDash val="solid"/>
-                      <a:round/>
-                      <a:headEnd type="none" w="sm" len="sm"/>
-                      <a:tailEnd type="none" w="sm" len="sm"/>
-                    </a:lnT>
-                    <a:lnB w="19050" cap="flat" cmpd="sng">
-                      <a:solidFill>
-                        <a:srgbClr val="E69138"/>
-                      </a:solidFill>
-                      <a:prstDash val="solid"/>
-                      <a:round/>
-                      <a:headEnd type="none" w="sm" len="sm"/>
-                      <a:tailEnd type="none" w="sm" len="sm"/>
-                    </a:lnB>
-                    <a:solidFill>
-                      <a:srgbClr val="FFFFFF"/>
-                    </a:solidFill>
-                  </a:tcPr>
-                </a:tc>
-                <a:tc>
-                  <a:txBody>
-                    <a:bodyPr/>
-                    <a:lstStyle/>
-                    <a:p>
-                      <a:pPr marL="457200" lvl="0" indent="0" algn="l" rtl="0">
-                        <a:spcBef>
-                          <a:spcPts val="0"/>
-                        </a:spcBef>
-                        <a:spcAft>
-                          <a:spcPts val="0"/>
-                        </a:spcAft>
-                        <a:buNone/>
-                      </a:pPr>
-                      <a:endParaRPr/>
-                    </a:p>
-                  </a:txBody>
-                  <a:tcPr marL="91425" marR="91425" marT="91425" marB="91425">
-                    <a:lnL w="19050" cap="flat" cmpd="sng">
-                      <a:solidFill>
-                        <a:srgbClr val="E69138"/>
-                      </a:solidFill>
-                      <a:prstDash val="solid"/>
-                      <a:round/>
-                      <a:headEnd type="none" w="sm" len="sm"/>
-                      <a:tailEnd type="none" w="sm" len="sm"/>
-                    </a:lnL>
-                    <a:lnR w="19050" cap="flat" cmpd="sng">
-                      <a:solidFill>
-                        <a:srgbClr val="E69138"/>
-                      </a:solidFill>
-                      <a:prstDash val="solid"/>
-                      <a:round/>
-                      <a:headEnd type="none" w="sm" len="sm"/>
-                      <a:tailEnd type="none" w="sm" len="sm"/>
-                    </a:lnR>
-                    <a:lnT w="19050" cap="flat" cmpd="sng">
-                      <a:solidFill>
-                        <a:srgbClr val="E69138"/>
-                      </a:solidFill>
-                      <a:prstDash val="solid"/>
-                      <a:round/>
-                      <a:headEnd type="none" w="sm" len="sm"/>
-                      <a:tailEnd type="none" w="sm" len="sm"/>
-                    </a:lnT>
-                    <a:lnB w="19050" cap="flat" cmpd="sng">
-                      <a:solidFill>
-                        <a:srgbClr val="E69138"/>
-                      </a:solidFill>
-                      <a:prstDash val="solid"/>
-                      <a:round/>
-                      <a:headEnd type="none" w="sm" len="sm"/>
-                      <a:tailEnd type="none" w="sm" len="sm"/>
-                    </a:lnB>
-                    <a:solidFill>
-                      <a:srgbClr val="FFFFFF"/>
-                    </a:solidFill>
-                  </a:tcPr>
-                </a:tc>
-                <a:tc>
-                  <a:txBody>
-                    <a:bodyPr/>
-                    <a:lstStyle/>
-                    <a:p>
-                      <a:pPr marL="457200" lvl="0" indent="0" algn="l" rtl="0">
-                        <a:spcBef>
-                          <a:spcPts val="0"/>
-                        </a:spcBef>
-                        <a:spcAft>
-                          <a:spcPts val="0"/>
-                        </a:spcAft>
-                        <a:buNone/>
-                      </a:pPr>
-                      <a:endParaRPr/>
-                    </a:p>
-                  </a:txBody>
-                  <a:tcPr marL="91425" marR="91425" marT="91425" marB="91425">
-                    <a:lnL w="19050" cap="flat" cmpd="sng">
-                      <a:solidFill>
-                        <a:srgbClr val="E69138"/>
-                      </a:solidFill>
-                      <a:prstDash val="solid"/>
-                      <a:round/>
-                      <a:headEnd type="none" w="sm" len="sm"/>
-                      <a:tailEnd type="none" w="sm" len="sm"/>
-                    </a:lnL>
-                    <a:lnR w="19050" cap="flat" cmpd="sng">
-                      <a:solidFill>
-                        <a:srgbClr val="E69138"/>
-                      </a:solidFill>
-                      <a:prstDash val="solid"/>
-                      <a:round/>
-                      <a:headEnd type="none" w="sm" len="sm"/>
-                      <a:tailEnd type="none" w="sm" len="sm"/>
-                    </a:lnR>
-                    <a:lnT w="19050" cap="flat" cmpd="sng">
-                      <a:solidFill>
-                        <a:srgbClr val="E69138"/>
-                      </a:solidFill>
-                      <a:prstDash val="solid"/>
-                      <a:round/>
-                      <a:headEnd type="none" w="sm" len="sm"/>
-                      <a:tailEnd type="none" w="sm" len="sm"/>
-                    </a:lnT>
-                    <a:lnB w="19050" cap="flat" cmpd="sng">
-                      <a:solidFill>
-                        <a:srgbClr val="E69138"/>
-                      </a:solidFill>
-                      <a:prstDash val="solid"/>
-                      <a:round/>
-                      <a:headEnd type="none" w="sm" len="sm"/>
-                      <a:tailEnd type="none" w="sm" len="sm"/>
-                    </a:lnB>
-                    <a:solidFill>
-                      <a:srgbClr val="FFFFFF"/>
-                    </a:solidFill>
-                  </a:tcPr>
-                </a:tc>
-                <a:tc>
-                  <a:txBody>
-                    <a:bodyPr/>
-                    <a:lstStyle/>
-                    <a:p>
-                      <a:pPr marL="0" lvl="0" indent="0" algn="l" rtl="0">
-                        <a:spcBef>
-                          <a:spcPts val="0"/>
-                        </a:spcBef>
-                        <a:spcAft>
-                          <a:spcPts val="0"/>
-                        </a:spcAft>
-                        <a:buNone/>
-                      </a:pPr>
-                      <a:endParaRPr sz="1200"/>
-                    </a:p>
-                  </a:txBody>
-                  <a:tcPr marL="91425" marR="91425" marT="91425" marB="91425">
-                    <a:lnL w="19050" cap="flat" cmpd="sng">
-                      <a:solidFill>
-                        <a:srgbClr val="E69138"/>
-                      </a:solidFill>
-                      <a:prstDash val="solid"/>
-                      <a:round/>
-                      <a:headEnd type="none" w="sm" len="sm"/>
-                      <a:tailEnd type="none" w="sm" len="sm"/>
-                    </a:lnL>
-                    <a:lnR w="19050" cap="flat" cmpd="sng">
-                      <a:solidFill>
-                        <a:srgbClr val="E69138"/>
-                      </a:solidFill>
-                      <a:prstDash val="solid"/>
-                      <a:round/>
-                      <a:headEnd type="none" w="sm" len="sm"/>
-                      <a:tailEnd type="none" w="sm" len="sm"/>
-                    </a:lnR>
-                    <a:lnT w="19050" cap="flat" cmpd="sng">
-                      <a:solidFill>
-                        <a:srgbClr val="E69138"/>
-                      </a:solidFill>
-                      <a:prstDash val="solid"/>
-                      <a:round/>
-                      <a:headEnd type="none" w="sm" len="sm"/>
-                      <a:tailEnd type="none" w="sm" len="sm"/>
-                    </a:lnT>
-                    <a:lnB w="19050" cap="flat" cmpd="sng">
-                      <a:solidFill>
-                        <a:srgbClr val="E69138"/>
-                      </a:solidFill>
-                      <a:prstDash val="solid"/>
-                      <a:round/>
-                      <a:headEnd type="none" w="sm" len="sm"/>
-                      <a:tailEnd type="none" w="sm" len="sm"/>
-                    </a:lnB>
-                    <a:solidFill>
-                      <a:srgbClr val="FFFFFF"/>
-                    </a:solidFill>
-                  </a:tcPr>
-                </a:tc>
-                <a:tc>
-                  <a:txBody>
-                    <a:bodyPr/>
-                    <a:lstStyle/>
-                    <a:p>
-                      <a:pPr marL="0" lvl="0" indent="0" algn="l" rtl="0">
-                        <a:spcBef>
-                          <a:spcPts val="0"/>
-                        </a:spcBef>
-                        <a:spcAft>
-                          <a:spcPts val="0"/>
-                        </a:spcAft>
-                        <a:buNone/>
-                      </a:pPr>
-                      <a:endParaRPr sz="1200">
-                        <a:solidFill>
-                          <a:schemeClr val="dk1"/>
-                        </a:solidFill>
-                      </a:endParaRPr>
-                    </a:p>
-                  </a:txBody>
-                  <a:tcPr marL="91425" marR="91425" marT="91425" marB="91425">
-                    <a:lnL w="19050" cap="flat" cmpd="sng">
-                      <a:solidFill>
-                        <a:srgbClr val="E69138"/>
-                      </a:solidFill>
-                      <a:prstDash val="solid"/>
-                      <a:round/>
-                      <a:headEnd type="none" w="sm" len="sm"/>
-                      <a:tailEnd type="none" w="sm" len="sm"/>
-                    </a:lnL>
-                    <a:lnR w="19050" cap="flat" cmpd="sng">
-                      <a:solidFill>
-                        <a:srgbClr val="E69138"/>
-                      </a:solidFill>
-                      <a:prstDash val="solid"/>
-                      <a:round/>
-                      <a:headEnd type="none" w="sm" len="sm"/>
-                      <a:tailEnd type="none" w="sm" len="sm"/>
-                    </a:lnR>
-                    <a:lnT w="19050" cap="flat" cmpd="sng">
-                      <a:solidFill>
-                        <a:srgbClr val="E69138"/>
-                      </a:solidFill>
-                      <a:prstDash val="solid"/>
-                      <a:round/>
-                      <a:headEnd type="none" w="sm" len="sm"/>
-                      <a:tailEnd type="none" w="sm" len="sm"/>
-                    </a:lnT>
-                    <a:lnB w="19050" cap="flat" cmpd="sng">
-                      <a:solidFill>
-                        <a:srgbClr val="E69138"/>
-                      </a:solidFill>
-                      <a:prstDash val="solid"/>
-                      <a:round/>
-                      <a:headEnd type="none" w="sm" len="sm"/>
-                      <a:tailEnd type="none" w="sm" len="sm"/>
-                    </a:lnB>
-                    <a:solidFill>
-                      <a:srgbClr val="FFFFFF"/>
-                    </a:solidFill>
-                  </a:tcPr>
-                </a:tc>
-                <a:extLst>
-                  <a:ext uri="{0D108BD9-81ED-4DB2-BD59-A6C34878D82A}">
-                    <a16:rowId xmlns:a16="http://schemas.microsoft.com/office/drawing/2014/main" val="10001"/>
-                  </a:ext>
-                </a:extLst>
-              </a:tr>
-            </a:tbl>
-          </a:graphicData>
-        </a:graphic>
-      </p:graphicFrame>
-      <p:sp>
-        <p:nvSpPr>
-          <p:cNvPr id="126" name="Google Shape;126;p22"/>
-          <p:cNvSpPr txBox="1">
-            <a:spLocks noGrp="1"/>
-          </p:cNvSpPr>
-          <p:nvPr>
-            <p:ph type="title"/>
-          </p:nvPr>
-        </p:nvSpPr>
-        <p:spPr>
-          <a:xfrm>
-            <a:off x="247400" y="173480"/>
-            <a:ext cx="6297900" cy="360300"/>
-          </a:xfrm>
-          <a:prstGeom prst="rect">
-            <a:avLst/>
-          </a:prstGeom>
-        </p:spPr>
-        <p:txBody>
-          <a:bodyPr spcFirstLastPara="1" wrap="square" lIns="91425" tIns="91425" rIns="91425" bIns="91425" anchor="t" anchorCtr="0">
-            <a:noAutofit/>
-          </a:bodyPr>
-          <a:lstStyle/>
-          <a:p>
-            <a:pPr marL="0" lvl="0" indent="0" algn="l" rtl="0">
-              <a:spcBef>
-                <a:spcPts val="0"/>
-              </a:spcBef>
-              <a:spcAft>
-                <a:spcPts val="0"/>
-              </a:spcAft>
-              <a:buNone/>
-            </a:pPr>
-            <a:r>
-              <a:rPr lang="en" sz="1800">
-                <a:solidFill>
-                  <a:srgbClr val="FFFFFF"/>
-                </a:solidFill>
-                <a:latin typeface="Source Sans Pro Black"/>
-                <a:ea typeface="Source Sans Pro Black"/>
-                <a:cs typeface="Source Sans Pro Black"/>
-                <a:sym typeface="Source Sans Pro Black"/>
-              </a:rPr>
-              <a:t>TEMPLATE #1: INDIVIDUAL REVIEW OF 360 REPORT</a:t>
-            </a:r>
-            <a:endParaRPr sz="1800" b="1">
-              <a:solidFill>
-                <a:srgbClr val="FFFFFF"/>
-              </a:solidFill>
-              <a:latin typeface="Source Sans Pro"/>
-              <a:ea typeface="Source Sans Pro"/>
-              <a:cs typeface="Source Sans Pro"/>
-              <a:sym typeface="Source Sans Pro"/>
-            </a:endParaRPr>
-          </a:p>
-        </p:txBody>
-      </p:sp>
-      <p:sp>
-        <p:nvSpPr>
-          <p:cNvPr id="127" name="Google Shape;127;p22"/>
-          <p:cNvSpPr txBox="1">
-            <a:spLocks noGrp="1"/>
-          </p:cNvSpPr>
-          <p:nvPr>
-            <p:ph type="title"/>
-          </p:nvPr>
-        </p:nvSpPr>
-        <p:spPr>
-          <a:xfrm>
-            <a:off x="6332250" y="67275"/>
-            <a:ext cx="2736900" cy="572700"/>
-          </a:xfrm>
-          <a:prstGeom prst="rect">
-            <a:avLst/>
-          </a:prstGeom>
-        </p:spPr>
-        <p:txBody>
-          <a:bodyPr spcFirstLastPara="1" wrap="square" lIns="91425" tIns="91425" rIns="91425" bIns="91425" anchor="t" anchorCtr="0">
-            <a:noAutofit/>
-          </a:bodyPr>
-          <a:lstStyle/>
-          <a:p>
-            <a:pPr marL="0" lvl="0" indent="0" algn="r" rtl="0">
-              <a:spcBef>
-                <a:spcPts val="0"/>
-              </a:spcBef>
-              <a:spcAft>
-                <a:spcPts val="0"/>
-              </a:spcAft>
-              <a:buNone/>
-            </a:pPr>
-            <a:r>
-              <a:rPr lang="en" sz="1400">
-                <a:solidFill>
-                  <a:srgbClr val="FFFF00"/>
-                </a:solidFill>
-                <a:latin typeface="Source Sans Pro Black"/>
-                <a:ea typeface="Source Sans Pro Black"/>
-                <a:cs typeface="Source Sans Pro Black"/>
-                <a:sym typeface="Source Sans Pro Black"/>
-              </a:rPr>
-              <a:t>STEP 1</a:t>
-            </a:r>
-            <a:r>
-              <a:rPr lang="en" sz="1400">
-                <a:solidFill>
-                  <a:srgbClr val="FFFFFF"/>
-                </a:solidFill>
-                <a:latin typeface="Source Sans Pro Black"/>
-                <a:ea typeface="Source Sans Pro Black"/>
-                <a:cs typeface="Source Sans Pro Black"/>
-                <a:sym typeface="Source Sans Pro Black"/>
-              </a:rPr>
-              <a:t>: </a:t>
-            </a:r>
-            <a:r>
-              <a:rPr lang="en" sz="1400" u="sng">
-                <a:solidFill>
-                  <a:srgbClr val="FFFFFF"/>
-                </a:solidFill>
-                <a:latin typeface="Source Sans Pro Black"/>
-                <a:ea typeface="Source Sans Pro Black"/>
-                <a:cs typeface="Source Sans Pro Black"/>
-                <a:sym typeface="Source Sans Pro Black"/>
-              </a:rPr>
-              <a:t>INDIVIDUAL PREPWORK</a:t>
-            </a:r>
-            <a:endParaRPr sz="1400" u="sng">
-              <a:solidFill>
-                <a:srgbClr val="FFFFFF"/>
-              </a:solidFill>
-              <a:latin typeface="Source Sans Pro Black"/>
-              <a:ea typeface="Source Sans Pro Black"/>
-              <a:cs typeface="Source Sans Pro Black"/>
-              <a:sym typeface="Source Sans Pro Black"/>
-            </a:endParaRPr>
-          </a:p>
-        </p:txBody>
-      </p:sp>
-    </p:spTree>
-  </p:cSld>
-  <p:clrMapOvr>
-    <a:masterClrMapping/>
-  </p:clrMapOvr>
-</p:sld>
-</file>
-
-<file path=ppt/slides/slide11.xml><?xml version="1.0" encoding="utf-8"?>
-<p:sld xmlns:a="http://schemas.openxmlformats.org/drawingml/2006/main" xmlns:r="http://schemas.openxmlformats.org/officeDocument/2006/relationships" xmlns:p="http://schemas.openxmlformats.org/presentationml/2006/main">
-  <p:cSld>
-    <p:bg>
-      <p:bgPr>
-        <a:solidFill>
-          <a:srgbClr val="E69138"/>
-        </a:solidFill>
-        <a:effectLst/>
-      </p:bgPr>
-    </p:bg>
-    <p:spTree>
-      <p:nvGrpSpPr>
         <p:cNvPr id="1" name="Shape 131"/>
         <p:cNvGrpSpPr/>
         <p:nvPr/>
@@ -10142,7 +8412,7 @@
 </p:sld>
 </file>
 
-<file path=ppt/slides/slide12.xml><?xml version="1.0" encoding="utf-8"?>
+<file path=ppt/slides/slide11.xml><?xml version="1.0" encoding="utf-8"?>
 <p:sld xmlns:a="http://schemas.openxmlformats.org/drawingml/2006/main" xmlns:r="http://schemas.openxmlformats.org/officeDocument/2006/relationships" xmlns:p="http://schemas.openxmlformats.org/presentationml/2006/main">
   <p:cSld>
     <p:bg>
@@ -11411,7 +9681,7 @@
 </p:sld>
 </file>
 
-<file path=ppt/slides/slide13.xml><?xml version="1.0" encoding="utf-8"?>
+<file path=ppt/slides/slide12.xml><?xml version="1.0" encoding="utf-8"?>
 <p:sld xmlns:a="http://schemas.openxmlformats.org/drawingml/2006/main" xmlns:r="http://schemas.openxmlformats.org/officeDocument/2006/relationships" xmlns:p="http://schemas.openxmlformats.org/presentationml/2006/main">
   <p:cSld>
     <p:bg>
@@ -12655,7 +10925,7 @@
 </p:sld>
 </file>
 
-<file path=ppt/slides/slide14.xml><?xml version="1.0" encoding="utf-8"?>
+<file path=ppt/slides/slide13.xml><?xml version="1.0" encoding="utf-8"?>
 <p:sld xmlns:a="http://schemas.openxmlformats.org/drawingml/2006/main" xmlns:r="http://schemas.openxmlformats.org/officeDocument/2006/relationships" xmlns:p="http://schemas.openxmlformats.org/presentationml/2006/main">
   <p:cSld>
     <p:bg>
@@ -13899,7 +12169,7 @@
 </p:sld>
 </file>
 
-<file path=ppt/slides/slide15.xml><?xml version="1.0" encoding="utf-8"?>
+<file path=ppt/slides/slide14.xml><?xml version="1.0" encoding="utf-8"?>
 <p:sld xmlns:a="http://schemas.openxmlformats.org/drawingml/2006/main" xmlns:r="http://schemas.openxmlformats.org/officeDocument/2006/relationships" xmlns:p="http://schemas.openxmlformats.org/presentationml/2006/main">
   <p:cSld>
     <p:bg>
@@ -14263,7 +12533,7 @@
 </p:sld>
 </file>
 
-<file path=ppt/slides/slide16.xml><?xml version="1.0" encoding="utf-8"?>
+<file path=ppt/slides/slide15.xml><?xml version="1.0" encoding="utf-8"?>
 <p:sld xmlns:a="http://schemas.openxmlformats.org/drawingml/2006/main" xmlns:r="http://schemas.openxmlformats.org/officeDocument/2006/relationships" xmlns:p="http://schemas.openxmlformats.org/presentationml/2006/main">
   <p:cSld>
     <p:bg>
@@ -15621,7 +13891,7 @@
 </p:sld>
 </file>
 
-<file path=ppt/slides/slide17.xml><?xml version="1.0" encoding="utf-8"?>
+<file path=ppt/slides/slide16.xml><?xml version="1.0" encoding="utf-8"?>
 <p:sld xmlns:a="http://schemas.openxmlformats.org/drawingml/2006/main" xmlns:r="http://schemas.openxmlformats.org/officeDocument/2006/relationships" xmlns:p="http://schemas.openxmlformats.org/presentationml/2006/main">
   <p:cSld>
     <p:bg>
@@ -16794,7 +15064,7 @@
 </p:sld>
 </file>
 
-<file path=ppt/slides/slide18.xml><?xml version="1.0" encoding="utf-8"?>
+<file path=ppt/slides/slide17.xml><?xml version="1.0" encoding="utf-8"?>
 <p:sld xmlns:a="http://schemas.openxmlformats.org/drawingml/2006/main" xmlns:r="http://schemas.openxmlformats.org/officeDocument/2006/relationships" xmlns:p="http://schemas.openxmlformats.org/presentationml/2006/main">
   <p:cSld>
     <p:bg>
@@ -17177,7 +15447,7 @@
 </p:sld>
 </file>
 
-<file path=ppt/slides/slide19.xml><?xml version="1.0" encoding="utf-8"?>
+<file path=ppt/slides/slide18.xml><?xml version="1.0" encoding="utf-8"?>
 <p:sld xmlns:a="http://schemas.openxmlformats.org/drawingml/2006/main" xmlns:r="http://schemas.openxmlformats.org/officeDocument/2006/relationships" xmlns:p="http://schemas.openxmlformats.org/presentationml/2006/main">
   <p:cSld>
     <p:bg>
@@ -17661,6 +15931,785 @@
               <a:cs typeface="Source Sans Pro"/>
               <a:sym typeface="Source Sans Pro"/>
             </a:endParaRPr>
+          </a:p>
+        </p:txBody>
+      </p:sp>
+    </p:spTree>
+  </p:cSld>
+  <p:clrMapOvr>
+    <a:masterClrMapping/>
+  </p:clrMapOvr>
+</p:sld>
+</file>
+
+<file path=ppt/slides/slide19.xml><?xml version="1.0" encoding="utf-8"?>
+<p:sld xmlns:a="http://schemas.openxmlformats.org/drawingml/2006/main" xmlns:r="http://schemas.openxmlformats.org/officeDocument/2006/relationships" xmlns:p="http://schemas.openxmlformats.org/presentationml/2006/main">
+  <p:cSld>
+    <p:bg>
+      <p:bgPr>
+        <a:solidFill>
+          <a:srgbClr val="E69138"/>
+        </a:solidFill>
+        <a:effectLst/>
+      </p:bgPr>
+    </p:bg>
+    <p:spTree>
+      <p:nvGrpSpPr>
+        <p:cNvPr id="1" name="Shape 194"/>
+        <p:cNvGrpSpPr/>
+        <p:nvPr/>
+      </p:nvGrpSpPr>
+      <p:grpSpPr>
+        <a:xfrm>
+          <a:off x="0" y="0"/>
+          <a:ext cx="0" cy="0"/>
+          <a:chOff x="0" y="0"/>
+          <a:chExt cx="0" cy="0"/>
+        </a:xfrm>
+      </p:grpSpPr>
+      <p:sp>
+        <p:nvSpPr>
+          <p:cNvPr id="195" name="Google Shape;195;p32"/>
+          <p:cNvSpPr txBox="1"/>
+          <p:nvPr/>
+        </p:nvSpPr>
+        <p:spPr>
+          <a:xfrm>
+            <a:off x="520575" y="2453350"/>
+            <a:ext cx="7834200" cy="1952400"/>
+          </a:xfrm>
+          <a:prstGeom prst="rect">
+            <a:avLst/>
+          </a:prstGeom>
+          <a:noFill/>
+          <a:ln>
+            <a:noFill/>
+          </a:ln>
+        </p:spPr>
+        <p:txBody>
+          <a:bodyPr spcFirstLastPara="1" wrap="square" lIns="91425" tIns="91425" rIns="91425" bIns="91425" anchor="ctr" anchorCtr="0">
+            <a:noAutofit/>
+          </a:bodyPr>
+          <a:lstStyle/>
+          <a:p>
+            <a:pPr marL="0" lvl="0" indent="0" algn="l" rtl="0">
+              <a:lnSpc>
+                <a:spcPct val="115000"/>
+              </a:lnSpc>
+              <a:spcBef>
+                <a:spcPts val="0"/>
+              </a:spcBef>
+              <a:spcAft>
+                <a:spcPts val="0"/>
+              </a:spcAft>
+              <a:buNone/>
+            </a:pPr>
+            <a:endParaRPr sz="1800">
+              <a:solidFill>
+                <a:schemeClr val="lt1"/>
+              </a:solidFill>
+              <a:latin typeface="Source Sans Pro"/>
+              <a:ea typeface="Source Sans Pro"/>
+              <a:cs typeface="Source Sans Pro"/>
+              <a:sym typeface="Source Sans Pro"/>
+            </a:endParaRPr>
+          </a:p>
+          <a:p>
+            <a:pPr marL="0" lvl="0" indent="0" algn="l" rtl="0">
+              <a:lnSpc>
+                <a:spcPct val="115000"/>
+              </a:lnSpc>
+              <a:spcBef>
+                <a:spcPts val="0"/>
+              </a:spcBef>
+              <a:spcAft>
+                <a:spcPts val="0"/>
+              </a:spcAft>
+              <a:buNone/>
+            </a:pPr>
+            <a:r>
+              <a:rPr lang="en" sz="1800">
+                <a:solidFill>
+                  <a:schemeClr val="lt1"/>
+                </a:solidFill>
+              </a:rPr>
+              <a:t>As a team, reflect on your coaching session. Use the questions below to guide your conversation, record your responses (Template #4) provided on the next slide</a:t>
+            </a:r>
+            <a:r>
+              <a:rPr lang="en" sz="1800">
+                <a:solidFill>
+                  <a:schemeClr val="lt1"/>
+                </a:solidFill>
+                <a:latin typeface="Source Sans Pro"/>
+                <a:ea typeface="Source Sans Pro"/>
+                <a:cs typeface="Source Sans Pro"/>
+                <a:sym typeface="Source Sans Pro"/>
+              </a:rPr>
+              <a:t>. </a:t>
+            </a:r>
+            <a:br>
+              <a:rPr lang="en" sz="1800">
+                <a:solidFill>
+                  <a:schemeClr val="lt1"/>
+                </a:solidFill>
+                <a:latin typeface="Source Sans Pro"/>
+                <a:ea typeface="Source Sans Pro"/>
+                <a:cs typeface="Source Sans Pro"/>
+                <a:sym typeface="Source Sans Pro"/>
+              </a:rPr>
+            </a:br>
+            <a:endParaRPr sz="1200">
+              <a:solidFill>
+                <a:schemeClr val="lt1"/>
+              </a:solidFill>
+              <a:latin typeface="Source Sans Pro"/>
+              <a:ea typeface="Source Sans Pro"/>
+              <a:cs typeface="Source Sans Pro"/>
+              <a:sym typeface="Source Sans Pro"/>
+            </a:endParaRPr>
+          </a:p>
+          <a:p>
+            <a:pPr marL="457200" lvl="0" indent="-368300" algn="l" rtl="0">
+              <a:spcBef>
+                <a:spcPts val="0"/>
+              </a:spcBef>
+              <a:spcAft>
+                <a:spcPts val="0"/>
+              </a:spcAft>
+              <a:buClr>
+                <a:schemeClr val="lt1"/>
+              </a:buClr>
+              <a:buSzPts val="2200"/>
+              <a:buFont typeface="Source Sans Pro"/>
+              <a:buAutoNum type="arabicPeriod"/>
+            </a:pPr>
+            <a:r>
+              <a:rPr lang="en" sz="2200">
+                <a:solidFill>
+                  <a:schemeClr val="lt1"/>
+                </a:solidFill>
+                <a:latin typeface="Source Sans Pro"/>
+                <a:ea typeface="Source Sans Pro"/>
+                <a:cs typeface="Source Sans Pro"/>
+                <a:sym typeface="Source Sans Pro"/>
+              </a:rPr>
+              <a:t>What issues did you address during your coaching session? What feedback did you get from your coach?</a:t>
+            </a:r>
+            <a:endParaRPr sz="2200">
+              <a:solidFill>
+                <a:schemeClr val="lt1"/>
+              </a:solidFill>
+              <a:latin typeface="Source Sans Pro"/>
+              <a:ea typeface="Source Sans Pro"/>
+              <a:cs typeface="Source Sans Pro"/>
+              <a:sym typeface="Source Sans Pro"/>
+            </a:endParaRPr>
+          </a:p>
+          <a:p>
+            <a:pPr marL="457200" lvl="0" indent="-368300" algn="l" rtl="0">
+              <a:spcBef>
+                <a:spcPts val="0"/>
+              </a:spcBef>
+              <a:spcAft>
+                <a:spcPts val="0"/>
+              </a:spcAft>
+              <a:buClr>
+                <a:schemeClr val="lt1"/>
+              </a:buClr>
+              <a:buSzPts val="2200"/>
+              <a:buFont typeface="Source Sans Pro"/>
+              <a:buAutoNum type="arabicPeriod"/>
+            </a:pPr>
+            <a:r>
+              <a:rPr lang="en" sz="2200">
+                <a:solidFill>
+                  <a:schemeClr val="lt1"/>
+                </a:solidFill>
+                <a:latin typeface="Source Sans Pro"/>
+                <a:ea typeface="Source Sans Pro"/>
+                <a:cs typeface="Source Sans Pro"/>
+                <a:sym typeface="Source Sans Pro"/>
+              </a:rPr>
+              <a:t>What action items did you finalize with your coach?</a:t>
+            </a:r>
+            <a:endParaRPr sz="2200">
+              <a:solidFill>
+                <a:schemeClr val="lt1"/>
+              </a:solidFill>
+              <a:latin typeface="Source Sans Pro"/>
+              <a:ea typeface="Source Sans Pro"/>
+              <a:cs typeface="Source Sans Pro"/>
+              <a:sym typeface="Source Sans Pro"/>
+            </a:endParaRPr>
+          </a:p>
+          <a:p>
+            <a:pPr marL="457200" lvl="0" indent="-368300" algn="l" rtl="0">
+              <a:spcBef>
+                <a:spcPts val="0"/>
+              </a:spcBef>
+              <a:spcAft>
+                <a:spcPts val="0"/>
+              </a:spcAft>
+              <a:buClr>
+                <a:schemeClr val="lt1"/>
+              </a:buClr>
+              <a:buSzPts val="2200"/>
+              <a:buFont typeface="Source Sans Pro"/>
+              <a:buAutoNum type="arabicPeriod"/>
+            </a:pPr>
+            <a:r>
+              <a:rPr lang="en" sz="2200">
+                <a:solidFill>
+                  <a:schemeClr val="lt1"/>
+                </a:solidFill>
+                <a:latin typeface="Source Sans Pro"/>
+                <a:ea typeface="Source Sans Pro"/>
+                <a:cs typeface="Source Sans Pro"/>
+                <a:sym typeface="Source Sans Pro"/>
+              </a:rPr>
+              <a:t>What is your process going to be to follow up on the action items you finalized? </a:t>
+            </a:r>
+            <a:endParaRPr sz="2200">
+              <a:solidFill>
+                <a:schemeClr val="lt1"/>
+              </a:solidFill>
+              <a:latin typeface="Source Sans Pro"/>
+              <a:ea typeface="Source Sans Pro"/>
+              <a:cs typeface="Source Sans Pro"/>
+              <a:sym typeface="Source Sans Pro"/>
+            </a:endParaRPr>
+          </a:p>
+          <a:p>
+            <a:pPr marL="457200" lvl="0" indent="-368300" algn="l" rtl="0">
+              <a:spcBef>
+                <a:spcPts val="0"/>
+              </a:spcBef>
+              <a:spcAft>
+                <a:spcPts val="0"/>
+              </a:spcAft>
+              <a:buClr>
+                <a:schemeClr val="lt1"/>
+              </a:buClr>
+              <a:buSzPts val="2200"/>
+              <a:buFont typeface="Source Sans Pro"/>
+              <a:buAutoNum type="arabicPeriod"/>
+            </a:pPr>
+            <a:r>
+              <a:rPr lang="en" sz="2200">
+                <a:solidFill>
+                  <a:schemeClr val="lt1"/>
+                </a:solidFill>
+                <a:latin typeface="Source Sans Pro"/>
+                <a:ea typeface="Source Sans Pro"/>
+                <a:cs typeface="Source Sans Pro"/>
+                <a:sym typeface="Source Sans Pro"/>
+              </a:rPr>
+              <a:t>How will these items support your project outcomes?</a:t>
+            </a:r>
+            <a:endParaRPr sz="1800">
+              <a:solidFill>
+                <a:schemeClr val="lt1"/>
+              </a:solidFill>
+              <a:latin typeface="Source Sans Pro"/>
+              <a:ea typeface="Source Sans Pro"/>
+              <a:cs typeface="Source Sans Pro"/>
+              <a:sym typeface="Source Sans Pro"/>
+            </a:endParaRPr>
+          </a:p>
+          <a:p>
+            <a:pPr marL="0" lvl="0" indent="0" algn="l" rtl="0">
+              <a:lnSpc>
+                <a:spcPct val="115000"/>
+              </a:lnSpc>
+              <a:spcBef>
+                <a:spcPts val="0"/>
+              </a:spcBef>
+              <a:spcAft>
+                <a:spcPts val="0"/>
+              </a:spcAft>
+              <a:buNone/>
+            </a:pPr>
+            <a:endParaRPr sz="1800">
+              <a:solidFill>
+                <a:schemeClr val="lt1"/>
+              </a:solidFill>
+              <a:latin typeface="Source Sans Pro"/>
+              <a:ea typeface="Source Sans Pro"/>
+              <a:cs typeface="Source Sans Pro"/>
+              <a:sym typeface="Source Sans Pro"/>
+            </a:endParaRPr>
+          </a:p>
+        </p:txBody>
+      </p:sp>
+      <p:sp>
+        <p:nvSpPr>
+          <p:cNvPr id="196" name="Google Shape;196;p32"/>
+          <p:cNvSpPr txBox="1"/>
+          <p:nvPr/>
+        </p:nvSpPr>
+        <p:spPr>
+          <a:xfrm>
+            <a:off x="-5200" y="1140100"/>
+            <a:ext cx="9144000" cy="544800"/>
+          </a:xfrm>
+          <a:prstGeom prst="rect">
+            <a:avLst/>
+          </a:prstGeom>
+          <a:noFill/>
+          <a:ln>
+            <a:noFill/>
+          </a:ln>
+        </p:spPr>
+        <p:txBody>
+          <a:bodyPr spcFirstLastPara="1" wrap="square" lIns="91425" tIns="91425" rIns="91425" bIns="91425" anchor="t" anchorCtr="0">
+            <a:noAutofit/>
+          </a:bodyPr>
+          <a:lstStyle/>
+          <a:p>
+            <a:pPr marL="0" lvl="0" indent="457200" algn="l" rtl="0">
+              <a:spcBef>
+                <a:spcPts val="0"/>
+              </a:spcBef>
+              <a:spcAft>
+                <a:spcPts val="0"/>
+              </a:spcAft>
+              <a:buNone/>
+            </a:pPr>
+            <a:r>
+              <a:rPr lang="en" sz="3000" b="1">
+                <a:solidFill>
+                  <a:schemeClr val="lt1"/>
+                </a:solidFill>
+              </a:rPr>
+              <a:t>Post Coaching Session - Team Reflection</a:t>
+            </a:r>
+            <a:endParaRPr sz="3000" b="1">
+              <a:solidFill>
+                <a:schemeClr val="lt1"/>
+              </a:solidFill>
+            </a:endParaRPr>
+          </a:p>
+          <a:p>
+            <a:pPr marL="0" lvl="0" indent="0" algn="l" rtl="0">
+              <a:spcBef>
+                <a:spcPts val="0"/>
+              </a:spcBef>
+              <a:spcAft>
+                <a:spcPts val="0"/>
+              </a:spcAft>
+              <a:buNone/>
+            </a:pPr>
+            <a:endParaRPr sz="3000" b="1">
+              <a:solidFill>
+                <a:schemeClr val="lt1"/>
+              </a:solidFill>
+            </a:endParaRPr>
+          </a:p>
+        </p:txBody>
+      </p:sp>
+      <p:sp>
+        <p:nvSpPr>
+          <p:cNvPr id="197" name="Google Shape;197;p32"/>
+          <p:cNvSpPr/>
+          <p:nvPr/>
+        </p:nvSpPr>
+        <p:spPr>
+          <a:xfrm>
+            <a:off x="5224050" y="640125"/>
+            <a:ext cx="2860500" cy="364200"/>
+          </a:xfrm>
+          <a:prstGeom prst="rect">
+            <a:avLst/>
+          </a:prstGeom>
+          <a:solidFill>
+            <a:srgbClr val="FFFFFF"/>
+          </a:solidFill>
+          <a:ln>
+            <a:noFill/>
+          </a:ln>
+        </p:spPr>
+        <p:txBody>
+          <a:bodyPr spcFirstLastPara="1" wrap="square" lIns="91425" tIns="91425" rIns="91425" bIns="91425" anchor="ctr" anchorCtr="0">
+            <a:noAutofit/>
+          </a:bodyPr>
+          <a:lstStyle/>
+          <a:p>
+            <a:pPr marL="0" lvl="0" indent="0" algn="l" rtl="0">
+              <a:spcBef>
+                <a:spcPts val="0"/>
+              </a:spcBef>
+              <a:spcAft>
+                <a:spcPts val="0"/>
+              </a:spcAft>
+              <a:buNone/>
+            </a:pPr>
+            <a:endParaRPr/>
+          </a:p>
+        </p:txBody>
+      </p:sp>
+      <p:sp>
+        <p:nvSpPr>
+          <p:cNvPr id="198" name="Google Shape;198;p32"/>
+          <p:cNvSpPr/>
+          <p:nvPr/>
+        </p:nvSpPr>
+        <p:spPr>
+          <a:xfrm>
+            <a:off x="1795050" y="378550"/>
+            <a:ext cx="4500600" cy="868500"/>
+          </a:xfrm>
+          <a:prstGeom prst="rightArrow">
+            <a:avLst>
+              <a:gd name="adj1" fmla="val 50000"/>
+              <a:gd name="adj2" fmla="val 77716"/>
+            </a:avLst>
+          </a:prstGeom>
+          <a:solidFill>
+            <a:srgbClr val="F6B26B"/>
+          </a:solidFill>
+          <a:ln w="76200" cap="flat" cmpd="sng">
+            <a:solidFill>
+              <a:srgbClr val="E69138"/>
+            </a:solidFill>
+            <a:prstDash val="solid"/>
+            <a:round/>
+            <a:headEnd type="none" w="sm" len="sm"/>
+            <a:tailEnd type="none" w="sm" len="sm"/>
+          </a:ln>
+        </p:spPr>
+        <p:txBody>
+          <a:bodyPr spcFirstLastPara="1" wrap="square" lIns="91425" tIns="91425" rIns="91425" bIns="91425" anchor="ctr" anchorCtr="0">
+            <a:noAutofit/>
+          </a:bodyPr>
+          <a:lstStyle/>
+          <a:p>
+            <a:pPr marL="0" lvl="0" indent="0" algn="l" rtl="0">
+              <a:spcBef>
+                <a:spcPts val="0"/>
+              </a:spcBef>
+              <a:spcAft>
+                <a:spcPts val="0"/>
+              </a:spcAft>
+              <a:buNone/>
+            </a:pPr>
+            <a:endParaRPr/>
+          </a:p>
+        </p:txBody>
+      </p:sp>
+      <p:sp>
+        <p:nvSpPr>
+          <p:cNvPr id="199" name="Google Shape;199;p32"/>
+          <p:cNvSpPr/>
+          <p:nvPr/>
+        </p:nvSpPr>
+        <p:spPr>
+          <a:xfrm>
+            <a:off x="520575" y="378550"/>
+            <a:ext cx="3042600" cy="868500"/>
+          </a:xfrm>
+          <a:prstGeom prst="rightArrow">
+            <a:avLst>
+              <a:gd name="adj1" fmla="val 50000"/>
+              <a:gd name="adj2" fmla="val 77716"/>
+            </a:avLst>
+          </a:prstGeom>
+          <a:solidFill>
+            <a:srgbClr val="F6B26B"/>
+          </a:solidFill>
+          <a:ln w="76200" cap="flat" cmpd="sng">
+            <a:solidFill>
+              <a:srgbClr val="E69138"/>
+            </a:solidFill>
+            <a:prstDash val="solid"/>
+            <a:round/>
+            <a:headEnd type="none" w="sm" len="sm"/>
+            <a:tailEnd type="none" w="sm" len="sm"/>
+          </a:ln>
+        </p:spPr>
+        <p:txBody>
+          <a:bodyPr spcFirstLastPara="1" wrap="square" lIns="91425" tIns="91425" rIns="91425" bIns="91425" anchor="ctr" anchorCtr="0">
+            <a:noAutofit/>
+          </a:bodyPr>
+          <a:lstStyle/>
+          <a:p>
+            <a:pPr marL="0" lvl="0" indent="0" algn="l" rtl="0">
+              <a:spcBef>
+                <a:spcPts val="0"/>
+              </a:spcBef>
+              <a:spcAft>
+                <a:spcPts val="0"/>
+              </a:spcAft>
+              <a:buNone/>
+            </a:pPr>
+            <a:endParaRPr>
+              <a:solidFill>
+                <a:srgbClr val="FF9900"/>
+              </a:solidFill>
+              <a:latin typeface="Source Sans Pro Black"/>
+              <a:ea typeface="Source Sans Pro Black"/>
+              <a:cs typeface="Source Sans Pro Black"/>
+              <a:sym typeface="Source Sans Pro Black"/>
+            </a:endParaRPr>
+          </a:p>
+        </p:txBody>
+      </p:sp>
+      <p:sp>
+        <p:nvSpPr>
+          <p:cNvPr id="200" name="Google Shape;200;p32"/>
+          <p:cNvSpPr txBox="1"/>
+          <p:nvPr/>
+        </p:nvSpPr>
+        <p:spPr>
+          <a:xfrm>
+            <a:off x="573475" y="269841"/>
+            <a:ext cx="2336100" cy="364200"/>
+          </a:xfrm>
+          <a:prstGeom prst="rect">
+            <a:avLst/>
+          </a:prstGeom>
+          <a:noFill/>
+          <a:ln>
+            <a:noFill/>
+          </a:ln>
+        </p:spPr>
+        <p:txBody>
+          <a:bodyPr spcFirstLastPara="1" wrap="square" lIns="91425" tIns="91425" rIns="91425" bIns="91425" anchor="ctr" anchorCtr="0">
+            <a:noAutofit/>
+          </a:bodyPr>
+          <a:lstStyle/>
+          <a:p>
+            <a:pPr marL="0" lvl="0" indent="0" algn="ctr" rtl="0">
+              <a:spcBef>
+                <a:spcPts val="0"/>
+              </a:spcBef>
+              <a:spcAft>
+                <a:spcPts val="0"/>
+              </a:spcAft>
+              <a:buNone/>
+            </a:pPr>
+            <a:r>
+              <a:rPr lang="en">
+                <a:solidFill>
+                  <a:srgbClr val="F6B26B"/>
+                </a:solidFill>
+                <a:latin typeface="Source Sans Pro Black"/>
+                <a:ea typeface="Source Sans Pro Black"/>
+                <a:cs typeface="Source Sans Pro Black"/>
+                <a:sym typeface="Source Sans Pro Black"/>
+              </a:rPr>
+              <a:t>PREPWORK</a:t>
+            </a:r>
+            <a:endParaRPr>
+              <a:solidFill>
+                <a:srgbClr val="F6B26B"/>
+              </a:solidFill>
+              <a:latin typeface="Source Sans Pro Black"/>
+              <a:ea typeface="Source Sans Pro Black"/>
+              <a:cs typeface="Source Sans Pro Black"/>
+              <a:sym typeface="Source Sans Pro Black"/>
+            </a:endParaRPr>
+          </a:p>
+        </p:txBody>
+      </p:sp>
+      <p:sp>
+        <p:nvSpPr>
+          <p:cNvPr id="201" name="Google Shape;201;p32"/>
+          <p:cNvSpPr txBox="1"/>
+          <p:nvPr/>
+        </p:nvSpPr>
+        <p:spPr>
+          <a:xfrm>
+            <a:off x="3398750" y="260416"/>
+            <a:ext cx="2336100" cy="364200"/>
+          </a:xfrm>
+          <a:prstGeom prst="rect">
+            <a:avLst/>
+          </a:prstGeom>
+          <a:noFill/>
+          <a:ln>
+            <a:noFill/>
+          </a:ln>
+        </p:spPr>
+        <p:txBody>
+          <a:bodyPr spcFirstLastPara="1" wrap="square" lIns="91425" tIns="91425" rIns="91425" bIns="91425" anchor="ctr" anchorCtr="0">
+            <a:noAutofit/>
+          </a:bodyPr>
+          <a:lstStyle/>
+          <a:p>
+            <a:pPr marL="0" lvl="0" indent="0" algn="ctr" rtl="0">
+              <a:spcBef>
+                <a:spcPts val="0"/>
+              </a:spcBef>
+              <a:spcAft>
+                <a:spcPts val="0"/>
+              </a:spcAft>
+              <a:buNone/>
+            </a:pPr>
+            <a:r>
+              <a:rPr lang="en">
+                <a:solidFill>
+                  <a:srgbClr val="F6B26B"/>
+                </a:solidFill>
+                <a:latin typeface="Source Sans Pro Black"/>
+                <a:ea typeface="Source Sans Pro Black"/>
+                <a:cs typeface="Source Sans Pro Black"/>
+                <a:sym typeface="Source Sans Pro Black"/>
+              </a:rPr>
+              <a:t>COACHING</a:t>
+            </a:r>
+            <a:endParaRPr>
+              <a:solidFill>
+                <a:srgbClr val="F6B26B"/>
+              </a:solidFill>
+              <a:latin typeface="Source Sans Pro Black"/>
+              <a:ea typeface="Source Sans Pro Black"/>
+              <a:cs typeface="Source Sans Pro Black"/>
+              <a:sym typeface="Source Sans Pro Black"/>
+            </a:endParaRPr>
+          </a:p>
+        </p:txBody>
+      </p:sp>
+      <p:sp>
+        <p:nvSpPr>
+          <p:cNvPr id="202" name="Google Shape;202;p32"/>
+          <p:cNvSpPr txBox="1"/>
+          <p:nvPr/>
+        </p:nvSpPr>
+        <p:spPr>
+          <a:xfrm>
+            <a:off x="6295650" y="269841"/>
+            <a:ext cx="1775400" cy="364200"/>
+          </a:xfrm>
+          <a:prstGeom prst="rect">
+            <a:avLst/>
+          </a:prstGeom>
+          <a:noFill/>
+          <a:ln>
+            <a:noFill/>
+          </a:ln>
+        </p:spPr>
+        <p:txBody>
+          <a:bodyPr spcFirstLastPara="1" wrap="square" lIns="91425" tIns="91425" rIns="91425" bIns="91425" anchor="ctr" anchorCtr="0">
+            <a:noAutofit/>
+          </a:bodyPr>
+          <a:lstStyle/>
+          <a:p>
+            <a:pPr marL="0" lvl="0" indent="0" algn="ctr" rtl="0">
+              <a:spcBef>
+                <a:spcPts val="0"/>
+              </a:spcBef>
+              <a:spcAft>
+                <a:spcPts val="0"/>
+              </a:spcAft>
+              <a:buNone/>
+            </a:pPr>
+            <a:r>
+              <a:rPr lang="en">
+                <a:solidFill>
+                  <a:srgbClr val="FFFFFF"/>
+                </a:solidFill>
+                <a:latin typeface="Source Sans Pro Black"/>
+                <a:ea typeface="Source Sans Pro Black"/>
+                <a:cs typeface="Source Sans Pro Black"/>
+                <a:sym typeface="Source Sans Pro Black"/>
+              </a:rPr>
+              <a:t>REFLECTION</a:t>
+            </a:r>
+            <a:endParaRPr>
+              <a:solidFill>
+                <a:srgbClr val="FFFFFF"/>
+              </a:solidFill>
+              <a:latin typeface="Source Sans Pro Black"/>
+              <a:ea typeface="Source Sans Pro Black"/>
+              <a:cs typeface="Source Sans Pro Black"/>
+              <a:sym typeface="Source Sans Pro Black"/>
+            </a:endParaRPr>
+          </a:p>
+        </p:txBody>
+      </p:sp>
+      <p:sp>
+        <p:nvSpPr>
+          <p:cNvPr id="203" name="Google Shape;203;p32"/>
+          <p:cNvSpPr txBox="1"/>
+          <p:nvPr/>
+        </p:nvSpPr>
+        <p:spPr>
+          <a:xfrm>
+            <a:off x="0" y="0"/>
+            <a:ext cx="9144000" cy="364200"/>
+          </a:xfrm>
+          <a:prstGeom prst="rect">
+            <a:avLst/>
+          </a:prstGeom>
+          <a:noFill/>
+          <a:ln>
+            <a:noFill/>
+          </a:ln>
+        </p:spPr>
+        <p:txBody>
+          <a:bodyPr spcFirstLastPara="1" wrap="square" lIns="91425" tIns="91425" rIns="91425" bIns="91425" anchor="t" anchorCtr="0">
+            <a:noAutofit/>
+          </a:bodyPr>
+          <a:lstStyle/>
+          <a:p>
+            <a:pPr marL="0" lvl="0" indent="0" algn="r" rtl="0">
+              <a:spcBef>
+                <a:spcPts val="0"/>
+              </a:spcBef>
+              <a:spcAft>
+                <a:spcPts val="0"/>
+              </a:spcAft>
+              <a:buNone/>
+            </a:pPr>
+            <a:r>
+              <a:rPr lang="en">
+                <a:solidFill>
+                  <a:srgbClr val="FFFF00"/>
+                </a:solidFill>
+                <a:latin typeface="Source Sans Pro Black"/>
+                <a:ea typeface="Source Sans Pro Black"/>
+                <a:cs typeface="Source Sans Pro Black"/>
+                <a:sym typeface="Source Sans Pro Black"/>
+              </a:rPr>
+              <a:t>STEP 5</a:t>
+            </a:r>
+            <a:r>
+              <a:rPr lang="en">
+                <a:solidFill>
+                  <a:srgbClr val="FFFFFF"/>
+                </a:solidFill>
+                <a:latin typeface="Source Sans Pro Black"/>
+                <a:ea typeface="Source Sans Pro Black"/>
+                <a:cs typeface="Source Sans Pro Black"/>
+                <a:sym typeface="Source Sans Pro Black"/>
+              </a:rPr>
+              <a:t>: </a:t>
+            </a:r>
+            <a:r>
+              <a:rPr lang="en" u="sng">
+                <a:solidFill>
+                  <a:srgbClr val="FFFFFF"/>
+                </a:solidFill>
+                <a:latin typeface="Source Sans Pro Black"/>
+                <a:ea typeface="Source Sans Pro Black"/>
+                <a:cs typeface="Source Sans Pro Black"/>
+                <a:sym typeface="Source Sans Pro Black"/>
+              </a:rPr>
+              <a:t>TEAM REFLECTION</a:t>
+            </a:r>
+            <a:r>
+              <a:rPr lang="en">
+                <a:solidFill>
+                  <a:srgbClr val="FFFFFF"/>
+                </a:solidFill>
+                <a:latin typeface="Source Sans Pro Black"/>
+                <a:ea typeface="Source Sans Pro Black"/>
+                <a:cs typeface="Source Sans Pro Black"/>
+                <a:sym typeface="Source Sans Pro Black"/>
+              </a:rPr>
+              <a:t> </a:t>
+            </a:r>
+            <a:endParaRPr/>
           </a:p>
         </p:txBody>
       </p:sp>
@@ -18352,785 +17401,6 @@
 </file>
 
 <file path=ppt/slides/slide20.xml><?xml version="1.0" encoding="utf-8"?>
-<p:sld xmlns:a="http://schemas.openxmlformats.org/drawingml/2006/main" xmlns:r="http://schemas.openxmlformats.org/officeDocument/2006/relationships" xmlns:p="http://schemas.openxmlformats.org/presentationml/2006/main">
-  <p:cSld>
-    <p:bg>
-      <p:bgPr>
-        <a:solidFill>
-          <a:srgbClr val="E69138"/>
-        </a:solidFill>
-        <a:effectLst/>
-      </p:bgPr>
-    </p:bg>
-    <p:spTree>
-      <p:nvGrpSpPr>
-        <p:cNvPr id="1" name="Shape 194"/>
-        <p:cNvGrpSpPr/>
-        <p:nvPr/>
-      </p:nvGrpSpPr>
-      <p:grpSpPr>
-        <a:xfrm>
-          <a:off x="0" y="0"/>
-          <a:ext cx="0" cy="0"/>
-          <a:chOff x="0" y="0"/>
-          <a:chExt cx="0" cy="0"/>
-        </a:xfrm>
-      </p:grpSpPr>
-      <p:sp>
-        <p:nvSpPr>
-          <p:cNvPr id="195" name="Google Shape;195;p32"/>
-          <p:cNvSpPr txBox="1"/>
-          <p:nvPr/>
-        </p:nvSpPr>
-        <p:spPr>
-          <a:xfrm>
-            <a:off x="520575" y="2453350"/>
-            <a:ext cx="7834200" cy="1952400"/>
-          </a:xfrm>
-          <a:prstGeom prst="rect">
-            <a:avLst/>
-          </a:prstGeom>
-          <a:noFill/>
-          <a:ln>
-            <a:noFill/>
-          </a:ln>
-        </p:spPr>
-        <p:txBody>
-          <a:bodyPr spcFirstLastPara="1" wrap="square" lIns="91425" tIns="91425" rIns="91425" bIns="91425" anchor="ctr" anchorCtr="0">
-            <a:noAutofit/>
-          </a:bodyPr>
-          <a:lstStyle/>
-          <a:p>
-            <a:pPr marL="0" lvl="0" indent="0" algn="l" rtl="0">
-              <a:lnSpc>
-                <a:spcPct val="115000"/>
-              </a:lnSpc>
-              <a:spcBef>
-                <a:spcPts val="0"/>
-              </a:spcBef>
-              <a:spcAft>
-                <a:spcPts val="0"/>
-              </a:spcAft>
-              <a:buNone/>
-            </a:pPr>
-            <a:endParaRPr sz="1800">
-              <a:solidFill>
-                <a:schemeClr val="lt1"/>
-              </a:solidFill>
-              <a:latin typeface="Source Sans Pro"/>
-              <a:ea typeface="Source Sans Pro"/>
-              <a:cs typeface="Source Sans Pro"/>
-              <a:sym typeface="Source Sans Pro"/>
-            </a:endParaRPr>
-          </a:p>
-          <a:p>
-            <a:pPr marL="0" lvl="0" indent="0" algn="l" rtl="0">
-              <a:lnSpc>
-                <a:spcPct val="115000"/>
-              </a:lnSpc>
-              <a:spcBef>
-                <a:spcPts val="0"/>
-              </a:spcBef>
-              <a:spcAft>
-                <a:spcPts val="0"/>
-              </a:spcAft>
-              <a:buNone/>
-            </a:pPr>
-            <a:r>
-              <a:rPr lang="en" sz="1800">
-                <a:solidFill>
-                  <a:schemeClr val="lt1"/>
-                </a:solidFill>
-              </a:rPr>
-              <a:t>As a team, reflect on your coaching session. Use the questions below to guide your conversation, record your responses (Template #4) provided on the next slide</a:t>
-            </a:r>
-            <a:r>
-              <a:rPr lang="en" sz="1800">
-                <a:solidFill>
-                  <a:schemeClr val="lt1"/>
-                </a:solidFill>
-                <a:latin typeface="Source Sans Pro"/>
-                <a:ea typeface="Source Sans Pro"/>
-                <a:cs typeface="Source Sans Pro"/>
-                <a:sym typeface="Source Sans Pro"/>
-              </a:rPr>
-              <a:t>. </a:t>
-            </a:r>
-            <a:br>
-              <a:rPr lang="en" sz="1800">
-                <a:solidFill>
-                  <a:schemeClr val="lt1"/>
-                </a:solidFill>
-                <a:latin typeface="Source Sans Pro"/>
-                <a:ea typeface="Source Sans Pro"/>
-                <a:cs typeface="Source Sans Pro"/>
-                <a:sym typeface="Source Sans Pro"/>
-              </a:rPr>
-            </a:br>
-            <a:endParaRPr sz="1200">
-              <a:solidFill>
-                <a:schemeClr val="lt1"/>
-              </a:solidFill>
-              <a:latin typeface="Source Sans Pro"/>
-              <a:ea typeface="Source Sans Pro"/>
-              <a:cs typeface="Source Sans Pro"/>
-              <a:sym typeface="Source Sans Pro"/>
-            </a:endParaRPr>
-          </a:p>
-          <a:p>
-            <a:pPr marL="457200" lvl="0" indent="-368300" algn="l" rtl="0">
-              <a:spcBef>
-                <a:spcPts val="0"/>
-              </a:spcBef>
-              <a:spcAft>
-                <a:spcPts val="0"/>
-              </a:spcAft>
-              <a:buClr>
-                <a:schemeClr val="lt1"/>
-              </a:buClr>
-              <a:buSzPts val="2200"/>
-              <a:buFont typeface="Source Sans Pro"/>
-              <a:buAutoNum type="arabicPeriod"/>
-            </a:pPr>
-            <a:r>
-              <a:rPr lang="en" sz="2200">
-                <a:solidFill>
-                  <a:schemeClr val="lt1"/>
-                </a:solidFill>
-                <a:latin typeface="Source Sans Pro"/>
-                <a:ea typeface="Source Sans Pro"/>
-                <a:cs typeface="Source Sans Pro"/>
-                <a:sym typeface="Source Sans Pro"/>
-              </a:rPr>
-              <a:t>What issues did you address during your coaching session? What feedback did you get from your coach?</a:t>
-            </a:r>
-            <a:endParaRPr sz="2200">
-              <a:solidFill>
-                <a:schemeClr val="lt1"/>
-              </a:solidFill>
-              <a:latin typeface="Source Sans Pro"/>
-              <a:ea typeface="Source Sans Pro"/>
-              <a:cs typeface="Source Sans Pro"/>
-              <a:sym typeface="Source Sans Pro"/>
-            </a:endParaRPr>
-          </a:p>
-          <a:p>
-            <a:pPr marL="457200" lvl="0" indent="-368300" algn="l" rtl="0">
-              <a:spcBef>
-                <a:spcPts val="0"/>
-              </a:spcBef>
-              <a:spcAft>
-                <a:spcPts val="0"/>
-              </a:spcAft>
-              <a:buClr>
-                <a:schemeClr val="lt1"/>
-              </a:buClr>
-              <a:buSzPts val="2200"/>
-              <a:buFont typeface="Source Sans Pro"/>
-              <a:buAutoNum type="arabicPeriod"/>
-            </a:pPr>
-            <a:r>
-              <a:rPr lang="en" sz="2200">
-                <a:solidFill>
-                  <a:schemeClr val="lt1"/>
-                </a:solidFill>
-                <a:latin typeface="Source Sans Pro"/>
-                <a:ea typeface="Source Sans Pro"/>
-                <a:cs typeface="Source Sans Pro"/>
-                <a:sym typeface="Source Sans Pro"/>
-              </a:rPr>
-              <a:t>What action items did you finalize with your coach?</a:t>
-            </a:r>
-            <a:endParaRPr sz="2200">
-              <a:solidFill>
-                <a:schemeClr val="lt1"/>
-              </a:solidFill>
-              <a:latin typeface="Source Sans Pro"/>
-              <a:ea typeface="Source Sans Pro"/>
-              <a:cs typeface="Source Sans Pro"/>
-              <a:sym typeface="Source Sans Pro"/>
-            </a:endParaRPr>
-          </a:p>
-          <a:p>
-            <a:pPr marL="457200" lvl="0" indent="-368300" algn="l" rtl="0">
-              <a:spcBef>
-                <a:spcPts val="0"/>
-              </a:spcBef>
-              <a:spcAft>
-                <a:spcPts val="0"/>
-              </a:spcAft>
-              <a:buClr>
-                <a:schemeClr val="lt1"/>
-              </a:buClr>
-              <a:buSzPts val="2200"/>
-              <a:buFont typeface="Source Sans Pro"/>
-              <a:buAutoNum type="arabicPeriod"/>
-            </a:pPr>
-            <a:r>
-              <a:rPr lang="en" sz="2200">
-                <a:solidFill>
-                  <a:schemeClr val="lt1"/>
-                </a:solidFill>
-                <a:latin typeface="Source Sans Pro"/>
-                <a:ea typeface="Source Sans Pro"/>
-                <a:cs typeface="Source Sans Pro"/>
-                <a:sym typeface="Source Sans Pro"/>
-              </a:rPr>
-              <a:t>What is your process going to be to follow up on the action items you finalized? </a:t>
-            </a:r>
-            <a:endParaRPr sz="2200">
-              <a:solidFill>
-                <a:schemeClr val="lt1"/>
-              </a:solidFill>
-              <a:latin typeface="Source Sans Pro"/>
-              <a:ea typeface="Source Sans Pro"/>
-              <a:cs typeface="Source Sans Pro"/>
-              <a:sym typeface="Source Sans Pro"/>
-            </a:endParaRPr>
-          </a:p>
-          <a:p>
-            <a:pPr marL="457200" lvl="0" indent="-368300" algn="l" rtl="0">
-              <a:spcBef>
-                <a:spcPts val="0"/>
-              </a:spcBef>
-              <a:spcAft>
-                <a:spcPts val="0"/>
-              </a:spcAft>
-              <a:buClr>
-                <a:schemeClr val="lt1"/>
-              </a:buClr>
-              <a:buSzPts val="2200"/>
-              <a:buFont typeface="Source Sans Pro"/>
-              <a:buAutoNum type="arabicPeriod"/>
-            </a:pPr>
-            <a:r>
-              <a:rPr lang="en" sz="2200">
-                <a:solidFill>
-                  <a:schemeClr val="lt1"/>
-                </a:solidFill>
-                <a:latin typeface="Source Sans Pro"/>
-                <a:ea typeface="Source Sans Pro"/>
-                <a:cs typeface="Source Sans Pro"/>
-                <a:sym typeface="Source Sans Pro"/>
-              </a:rPr>
-              <a:t>How will these items support your project outcomes?</a:t>
-            </a:r>
-            <a:endParaRPr sz="1800">
-              <a:solidFill>
-                <a:schemeClr val="lt1"/>
-              </a:solidFill>
-              <a:latin typeface="Source Sans Pro"/>
-              <a:ea typeface="Source Sans Pro"/>
-              <a:cs typeface="Source Sans Pro"/>
-              <a:sym typeface="Source Sans Pro"/>
-            </a:endParaRPr>
-          </a:p>
-          <a:p>
-            <a:pPr marL="0" lvl="0" indent="0" algn="l" rtl="0">
-              <a:lnSpc>
-                <a:spcPct val="115000"/>
-              </a:lnSpc>
-              <a:spcBef>
-                <a:spcPts val="0"/>
-              </a:spcBef>
-              <a:spcAft>
-                <a:spcPts val="0"/>
-              </a:spcAft>
-              <a:buNone/>
-            </a:pPr>
-            <a:endParaRPr sz="1800">
-              <a:solidFill>
-                <a:schemeClr val="lt1"/>
-              </a:solidFill>
-              <a:latin typeface="Source Sans Pro"/>
-              <a:ea typeface="Source Sans Pro"/>
-              <a:cs typeface="Source Sans Pro"/>
-              <a:sym typeface="Source Sans Pro"/>
-            </a:endParaRPr>
-          </a:p>
-        </p:txBody>
-      </p:sp>
-      <p:sp>
-        <p:nvSpPr>
-          <p:cNvPr id="196" name="Google Shape;196;p32"/>
-          <p:cNvSpPr txBox="1"/>
-          <p:nvPr/>
-        </p:nvSpPr>
-        <p:spPr>
-          <a:xfrm>
-            <a:off x="-5200" y="1140100"/>
-            <a:ext cx="9144000" cy="544800"/>
-          </a:xfrm>
-          <a:prstGeom prst="rect">
-            <a:avLst/>
-          </a:prstGeom>
-          <a:noFill/>
-          <a:ln>
-            <a:noFill/>
-          </a:ln>
-        </p:spPr>
-        <p:txBody>
-          <a:bodyPr spcFirstLastPara="1" wrap="square" lIns="91425" tIns="91425" rIns="91425" bIns="91425" anchor="t" anchorCtr="0">
-            <a:noAutofit/>
-          </a:bodyPr>
-          <a:lstStyle/>
-          <a:p>
-            <a:pPr marL="0" lvl="0" indent="457200" algn="l" rtl="0">
-              <a:spcBef>
-                <a:spcPts val="0"/>
-              </a:spcBef>
-              <a:spcAft>
-                <a:spcPts val="0"/>
-              </a:spcAft>
-              <a:buNone/>
-            </a:pPr>
-            <a:r>
-              <a:rPr lang="en" sz="3000" b="1">
-                <a:solidFill>
-                  <a:schemeClr val="lt1"/>
-                </a:solidFill>
-              </a:rPr>
-              <a:t>Post Coaching Session - Team Reflection</a:t>
-            </a:r>
-            <a:endParaRPr sz="3000" b="1">
-              <a:solidFill>
-                <a:schemeClr val="lt1"/>
-              </a:solidFill>
-            </a:endParaRPr>
-          </a:p>
-          <a:p>
-            <a:pPr marL="0" lvl="0" indent="0" algn="l" rtl="0">
-              <a:spcBef>
-                <a:spcPts val="0"/>
-              </a:spcBef>
-              <a:spcAft>
-                <a:spcPts val="0"/>
-              </a:spcAft>
-              <a:buNone/>
-            </a:pPr>
-            <a:endParaRPr sz="3000" b="1">
-              <a:solidFill>
-                <a:schemeClr val="lt1"/>
-              </a:solidFill>
-            </a:endParaRPr>
-          </a:p>
-        </p:txBody>
-      </p:sp>
-      <p:sp>
-        <p:nvSpPr>
-          <p:cNvPr id="197" name="Google Shape;197;p32"/>
-          <p:cNvSpPr/>
-          <p:nvPr/>
-        </p:nvSpPr>
-        <p:spPr>
-          <a:xfrm>
-            <a:off x="5224050" y="640125"/>
-            <a:ext cx="2860500" cy="364200"/>
-          </a:xfrm>
-          <a:prstGeom prst="rect">
-            <a:avLst/>
-          </a:prstGeom>
-          <a:solidFill>
-            <a:srgbClr val="FFFFFF"/>
-          </a:solidFill>
-          <a:ln>
-            <a:noFill/>
-          </a:ln>
-        </p:spPr>
-        <p:txBody>
-          <a:bodyPr spcFirstLastPara="1" wrap="square" lIns="91425" tIns="91425" rIns="91425" bIns="91425" anchor="ctr" anchorCtr="0">
-            <a:noAutofit/>
-          </a:bodyPr>
-          <a:lstStyle/>
-          <a:p>
-            <a:pPr marL="0" lvl="0" indent="0" algn="l" rtl="0">
-              <a:spcBef>
-                <a:spcPts val="0"/>
-              </a:spcBef>
-              <a:spcAft>
-                <a:spcPts val="0"/>
-              </a:spcAft>
-              <a:buNone/>
-            </a:pPr>
-            <a:endParaRPr/>
-          </a:p>
-        </p:txBody>
-      </p:sp>
-      <p:sp>
-        <p:nvSpPr>
-          <p:cNvPr id="198" name="Google Shape;198;p32"/>
-          <p:cNvSpPr/>
-          <p:nvPr/>
-        </p:nvSpPr>
-        <p:spPr>
-          <a:xfrm>
-            <a:off x="1795050" y="378550"/>
-            <a:ext cx="4500600" cy="868500"/>
-          </a:xfrm>
-          <a:prstGeom prst="rightArrow">
-            <a:avLst>
-              <a:gd name="adj1" fmla="val 50000"/>
-              <a:gd name="adj2" fmla="val 77716"/>
-            </a:avLst>
-          </a:prstGeom>
-          <a:solidFill>
-            <a:srgbClr val="F6B26B"/>
-          </a:solidFill>
-          <a:ln w="76200" cap="flat" cmpd="sng">
-            <a:solidFill>
-              <a:srgbClr val="E69138"/>
-            </a:solidFill>
-            <a:prstDash val="solid"/>
-            <a:round/>
-            <a:headEnd type="none" w="sm" len="sm"/>
-            <a:tailEnd type="none" w="sm" len="sm"/>
-          </a:ln>
-        </p:spPr>
-        <p:txBody>
-          <a:bodyPr spcFirstLastPara="1" wrap="square" lIns="91425" tIns="91425" rIns="91425" bIns="91425" anchor="ctr" anchorCtr="0">
-            <a:noAutofit/>
-          </a:bodyPr>
-          <a:lstStyle/>
-          <a:p>
-            <a:pPr marL="0" lvl="0" indent="0" algn="l" rtl="0">
-              <a:spcBef>
-                <a:spcPts val="0"/>
-              </a:spcBef>
-              <a:spcAft>
-                <a:spcPts val="0"/>
-              </a:spcAft>
-              <a:buNone/>
-            </a:pPr>
-            <a:endParaRPr/>
-          </a:p>
-        </p:txBody>
-      </p:sp>
-      <p:sp>
-        <p:nvSpPr>
-          <p:cNvPr id="199" name="Google Shape;199;p32"/>
-          <p:cNvSpPr/>
-          <p:nvPr/>
-        </p:nvSpPr>
-        <p:spPr>
-          <a:xfrm>
-            <a:off x="520575" y="378550"/>
-            <a:ext cx="3042600" cy="868500"/>
-          </a:xfrm>
-          <a:prstGeom prst="rightArrow">
-            <a:avLst>
-              <a:gd name="adj1" fmla="val 50000"/>
-              <a:gd name="adj2" fmla="val 77716"/>
-            </a:avLst>
-          </a:prstGeom>
-          <a:solidFill>
-            <a:srgbClr val="F6B26B"/>
-          </a:solidFill>
-          <a:ln w="76200" cap="flat" cmpd="sng">
-            <a:solidFill>
-              <a:srgbClr val="E69138"/>
-            </a:solidFill>
-            <a:prstDash val="solid"/>
-            <a:round/>
-            <a:headEnd type="none" w="sm" len="sm"/>
-            <a:tailEnd type="none" w="sm" len="sm"/>
-          </a:ln>
-        </p:spPr>
-        <p:txBody>
-          <a:bodyPr spcFirstLastPara="1" wrap="square" lIns="91425" tIns="91425" rIns="91425" bIns="91425" anchor="ctr" anchorCtr="0">
-            <a:noAutofit/>
-          </a:bodyPr>
-          <a:lstStyle/>
-          <a:p>
-            <a:pPr marL="0" lvl="0" indent="0" algn="l" rtl="0">
-              <a:spcBef>
-                <a:spcPts val="0"/>
-              </a:spcBef>
-              <a:spcAft>
-                <a:spcPts val="0"/>
-              </a:spcAft>
-              <a:buNone/>
-            </a:pPr>
-            <a:endParaRPr>
-              <a:solidFill>
-                <a:srgbClr val="FF9900"/>
-              </a:solidFill>
-              <a:latin typeface="Source Sans Pro Black"/>
-              <a:ea typeface="Source Sans Pro Black"/>
-              <a:cs typeface="Source Sans Pro Black"/>
-              <a:sym typeface="Source Sans Pro Black"/>
-            </a:endParaRPr>
-          </a:p>
-        </p:txBody>
-      </p:sp>
-      <p:sp>
-        <p:nvSpPr>
-          <p:cNvPr id="200" name="Google Shape;200;p32"/>
-          <p:cNvSpPr txBox="1"/>
-          <p:nvPr/>
-        </p:nvSpPr>
-        <p:spPr>
-          <a:xfrm>
-            <a:off x="573475" y="269841"/>
-            <a:ext cx="2336100" cy="364200"/>
-          </a:xfrm>
-          <a:prstGeom prst="rect">
-            <a:avLst/>
-          </a:prstGeom>
-          <a:noFill/>
-          <a:ln>
-            <a:noFill/>
-          </a:ln>
-        </p:spPr>
-        <p:txBody>
-          <a:bodyPr spcFirstLastPara="1" wrap="square" lIns="91425" tIns="91425" rIns="91425" bIns="91425" anchor="ctr" anchorCtr="0">
-            <a:noAutofit/>
-          </a:bodyPr>
-          <a:lstStyle/>
-          <a:p>
-            <a:pPr marL="0" lvl="0" indent="0" algn="ctr" rtl="0">
-              <a:spcBef>
-                <a:spcPts val="0"/>
-              </a:spcBef>
-              <a:spcAft>
-                <a:spcPts val="0"/>
-              </a:spcAft>
-              <a:buNone/>
-            </a:pPr>
-            <a:r>
-              <a:rPr lang="en">
-                <a:solidFill>
-                  <a:srgbClr val="F6B26B"/>
-                </a:solidFill>
-                <a:latin typeface="Source Sans Pro Black"/>
-                <a:ea typeface="Source Sans Pro Black"/>
-                <a:cs typeface="Source Sans Pro Black"/>
-                <a:sym typeface="Source Sans Pro Black"/>
-              </a:rPr>
-              <a:t>PREPWORK</a:t>
-            </a:r>
-            <a:endParaRPr>
-              <a:solidFill>
-                <a:srgbClr val="F6B26B"/>
-              </a:solidFill>
-              <a:latin typeface="Source Sans Pro Black"/>
-              <a:ea typeface="Source Sans Pro Black"/>
-              <a:cs typeface="Source Sans Pro Black"/>
-              <a:sym typeface="Source Sans Pro Black"/>
-            </a:endParaRPr>
-          </a:p>
-        </p:txBody>
-      </p:sp>
-      <p:sp>
-        <p:nvSpPr>
-          <p:cNvPr id="201" name="Google Shape;201;p32"/>
-          <p:cNvSpPr txBox="1"/>
-          <p:nvPr/>
-        </p:nvSpPr>
-        <p:spPr>
-          <a:xfrm>
-            <a:off x="3398750" y="260416"/>
-            <a:ext cx="2336100" cy="364200"/>
-          </a:xfrm>
-          <a:prstGeom prst="rect">
-            <a:avLst/>
-          </a:prstGeom>
-          <a:noFill/>
-          <a:ln>
-            <a:noFill/>
-          </a:ln>
-        </p:spPr>
-        <p:txBody>
-          <a:bodyPr spcFirstLastPara="1" wrap="square" lIns="91425" tIns="91425" rIns="91425" bIns="91425" anchor="ctr" anchorCtr="0">
-            <a:noAutofit/>
-          </a:bodyPr>
-          <a:lstStyle/>
-          <a:p>
-            <a:pPr marL="0" lvl="0" indent="0" algn="ctr" rtl="0">
-              <a:spcBef>
-                <a:spcPts val="0"/>
-              </a:spcBef>
-              <a:spcAft>
-                <a:spcPts val="0"/>
-              </a:spcAft>
-              <a:buNone/>
-            </a:pPr>
-            <a:r>
-              <a:rPr lang="en">
-                <a:solidFill>
-                  <a:srgbClr val="F6B26B"/>
-                </a:solidFill>
-                <a:latin typeface="Source Sans Pro Black"/>
-                <a:ea typeface="Source Sans Pro Black"/>
-                <a:cs typeface="Source Sans Pro Black"/>
-                <a:sym typeface="Source Sans Pro Black"/>
-              </a:rPr>
-              <a:t>COACHING</a:t>
-            </a:r>
-            <a:endParaRPr>
-              <a:solidFill>
-                <a:srgbClr val="F6B26B"/>
-              </a:solidFill>
-              <a:latin typeface="Source Sans Pro Black"/>
-              <a:ea typeface="Source Sans Pro Black"/>
-              <a:cs typeface="Source Sans Pro Black"/>
-              <a:sym typeface="Source Sans Pro Black"/>
-            </a:endParaRPr>
-          </a:p>
-        </p:txBody>
-      </p:sp>
-      <p:sp>
-        <p:nvSpPr>
-          <p:cNvPr id="202" name="Google Shape;202;p32"/>
-          <p:cNvSpPr txBox="1"/>
-          <p:nvPr/>
-        </p:nvSpPr>
-        <p:spPr>
-          <a:xfrm>
-            <a:off x="6295650" y="269841"/>
-            <a:ext cx="1775400" cy="364200"/>
-          </a:xfrm>
-          <a:prstGeom prst="rect">
-            <a:avLst/>
-          </a:prstGeom>
-          <a:noFill/>
-          <a:ln>
-            <a:noFill/>
-          </a:ln>
-        </p:spPr>
-        <p:txBody>
-          <a:bodyPr spcFirstLastPara="1" wrap="square" lIns="91425" tIns="91425" rIns="91425" bIns="91425" anchor="ctr" anchorCtr="0">
-            <a:noAutofit/>
-          </a:bodyPr>
-          <a:lstStyle/>
-          <a:p>
-            <a:pPr marL="0" lvl="0" indent="0" algn="ctr" rtl="0">
-              <a:spcBef>
-                <a:spcPts val="0"/>
-              </a:spcBef>
-              <a:spcAft>
-                <a:spcPts val="0"/>
-              </a:spcAft>
-              <a:buNone/>
-            </a:pPr>
-            <a:r>
-              <a:rPr lang="en">
-                <a:solidFill>
-                  <a:srgbClr val="FFFFFF"/>
-                </a:solidFill>
-                <a:latin typeface="Source Sans Pro Black"/>
-                <a:ea typeface="Source Sans Pro Black"/>
-                <a:cs typeface="Source Sans Pro Black"/>
-                <a:sym typeface="Source Sans Pro Black"/>
-              </a:rPr>
-              <a:t>REFLECTION</a:t>
-            </a:r>
-            <a:endParaRPr>
-              <a:solidFill>
-                <a:srgbClr val="FFFFFF"/>
-              </a:solidFill>
-              <a:latin typeface="Source Sans Pro Black"/>
-              <a:ea typeface="Source Sans Pro Black"/>
-              <a:cs typeface="Source Sans Pro Black"/>
-              <a:sym typeface="Source Sans Pro Black"/>
-            </a:endParaRPr>
-          </a:p>
-        </p:txBody>
-      </p:sp>
-      <p:sp>
-        <p:nvSpPr>
-          <p:cNvPr id="203" name="Google Shape;203;p32"/>
-          <p:cNvSpPr txBox="1"/>
-          <p:nvPr/>
-        </p:nvSpPr>
-        <p:spPr>
-          <a:xfrm>
-            <a:off x="0" y="0"/>
-            <a:ext cx="9144000" cy="364200"/>
-          </a:xfrm>
-          <a:prstGeom prst="rect">
-            <a:avLst/>
-          </a:prstGeom>
-          <a:noFill/>
-          <a:ln>
-            <a:noFill/>
-          </a:ln>
-        </p:spPr>
-        <p:txBody>
-          <a:bodyPr spcFirstLastPara="1" wrap="square" lIns="91425" tIns="91425" rIns="91425" bIns="91425" anchor="t" anchorCtr="0">
-            <a:noAutofit/>
-          </a:bodyPr>
-          <a:lstStyle/>
-          <a:p>
-            <a:pPr marL="0" lvl="0" indent="0" algn="r" rtl="0">
-              <a:spcBef>
-                <a:spcPts val="0"/>
-              </a:spcBef>
-              <a:spcAft>
-                <a:spcPts val="0"/>
-              </a:spcAft>
-              <a:buNone/>
-            </a:pPr>
-            <a:r>
-              <a:rPr lang="en">
-                <a:solidFill>
-                  <a:srgbClr val="FFFF00"/>
-                </a:solidFill>
-                <a:latin typeface="Source Sans Pro Black"/>
-                <a:ea typeface="Source Sans Pro Black"/>
-                <a:cs typeface="Source Sans Pro Black"/>
-                <a:sym typeface="Source Sans Pro Black"/>
-              </a:rPr>
-              <a:t>STEP 5</a:t>
-            </a:r>
-            <a:r>
-              <a:rPr lang="en">
-                <a:solidFill>
-                  <a:srgbClr val="FFFFFF"/>
-                </a:solidFill>
-                <a:latin typeface="Source Sans Pro Black"/>
-                <a:ea typeface="Source Sans Pro Black"/>
-                <a:cs typeface="Source Sans Pro Black"/>
-                <a:sym typeface="Source Sans Pro Black"/>
-              </a:rPr>
-              <a:t>: </a:t>
-            </a:r>
-            <a:r>
-              <a:rPr lang="en" u="sng">
-                <a:solidFill>
-                  <a:srgbClr val="FFFFFF"/>
-                </a:solidFill>
-                <a:latin typeface="Source Sans Pro Black"/>
-                <a:ea typeface="Source Sans Pro Black"/>
-                <a:cs typeface="Source Sans Pro Black"/>
-                <a:sym typeface="Source Sans Pro Black"/>
-              </a:rPr>
-              <a:t>TEAM REFLECTION</a:t>
-            </a:r>
-            <a:r>
-              <a:rPr lang="en">
-                <a:solidFill>
-                  <a:srgbClr val="FFFFFF"/>
-                </a:solidFill>
-                <a:latin typeface="Source Sans Pro Black"/>
-                <a:ea typeface="Source Sans Pro Black"/>
-                <a:cs typeface="Source Sans Pro Black"/>
-                <a:sym typeface="Source Sans Pro Black"/>
-              </a:rPr>
-              <a:t> </a:t>
-            </a:r>
-            <a:endParaRPr/>
-          </a:p>
-        </p:txBody>
-      </p:sp>
-    </p:spTree>
-  </p:cSld>
-  <p:clrMapOvr>
-    <a:masterClrMapping/>
-  </p:clrMapOvr>
-</p:sld>
-</file>
-
-<file path=ppt/slides/slide21.xml><?xml version="1.0" encoding="utf-8"?>
 <p:sld xmlns:a="http://schemas.openxmlformats.org/drawingml/2006/main" xmlns:r="http://schemas.openxmlformats.org/officeDocument/2006/relationships" xmlns:p="http://schemas.openxmlformats.org/presentationml/2006/main">
   <p:cSld>
     <p:bg>
@@ -22598,7 +20868,7 @@
           <p:nvPr>
             <p:extLst>
               <p:ext uri="{D42A27DB-BD31-4B8C-83A1-F6EECF244321}">
-                <p14:modId xmlns:p14="http://schemas.microsoft.com/office/powerpoint/2010/main" val="1382065176"/>
+                <p14:modId xmlns:p14="http://schemas.microsoft.com/office/powerpoint/2010/main" val="496945730"/>
               </p:ext>
             </p:extLst>
           </p:nvPr>
@@ -22738,14 +21008,14 @@
                         <a:buNone/>
                       </a:pPr>
                       <a:r>
-                        <a:rPr lang="en" sz="1200" i="1">
+                        <a:rPr lang="en" sz="1200" i="1" dirty="0">
                           <a:solidFill>
                             <a:srgbClr val="F9CB9C"/>
                           </a:solidFill>
                         </a:rPr>
                         <a:t>Strength</a:t>
                       </a:r>
-                      <a:endParaRPr sz="1200" i="1">
+                      <a:endParaRPr sz="1200" i="1" dirty="0">
                         <a:solidFill>
                           <a:srgbClr val="F9CB9C"/>
                         </a:solidFill>
@@ -23086,15 +21356,15 @@
                     <a:bodyPr/>
                     <a:lstStyle/>
                     <a:p>
-                      <a:pPr marL="628650" lvl="0" indent="-171450" algn="l" rtl="0">
+                      <a:pPr marL="228600" lvl="0" indent="-228600" algn="l" rtl="0">
                         <a:spcBef>
                           <a:spcPts val="0"/>
                         </a:spcBef>
                         <a:spcAft>
                           <a:spcPts val="0"/>
                         </a:spcAft>
-                        <a:buFont typeface="Arial" panose="020B0604020202020204" pitchFamily="34" charset="0"/>
-                        <a:buChar char="•"/>
+                        <a:buFont typeface="+mj-lt"/>
+                        <a:buAutoNum type="arabicPeriod"/>
                       </a:pPr>
                       <a:r>
                         <a:rPr lang="es-CL" sz="1000" dirty="0" err="1"/>
@@ -23122,15 +21392,15 @@
                       </a:r>
                     </a:p>
                     <a:p>
-                      <a:pPr marL="628650" lvl="0" indent="-171450" algn="l" rtl="0">
+                      <a:pPr marL="228600" lvl="0" indent="-228600" algn="l" rtl="0">
                         <a:spcBef>
                           <a:spcPts val="0"/>
                         </a:spcBef>
                         <a:spcAft>
                           <a:spcPts val="0"/>
                         </a:spcAft>
-                        <a:buFont typeface="Arial" panose="020B0604020202020204" pitchFamily="34" charset="0"/>
-                        <a:buChar char="•"/>
+                        <a:buFont typeface="+mj-lt"/>
+                        <a:buAutoNum type="arabicPeriod"/>
                       </a:pPr>
                       <a:r>
                         <a:rPr lang="es-CL" sz="1000" dirty="0" err="1"/>
@@ -23147,15 +21417,15 @@
                       <a:endParaRPr lang="es-CL" sz="1000" dirty="0"/>
                     </a:p>
                     <a:p>
-                      <a:pPr marL="628650" lvl="0" indent="-171450" algn="l" rtl="0">
+                      <a:pPr marL="228600" lvl="0" indent="-228600" algn="l" rtl="0">
                         <a:spcBef>
                           <a:spcPts val="0"/>
                         </a:spcBef>
                         <a:spcAft>
                           <a:spcPts val="0"/>
                         </a:spcAft>
-                        <a:buFont typeface="Arial" panose="020B0604020202020204" pitchFamily="34" charset="0"/>
-                        <a:buChar char="•"/>
+                        <a:buFont typeface="+mj-lt"/>
+                        <a:buAutoNum type="arabicPeriod"/>
                       </a:pPr>
                       <a:r>
                         <a:rPr lang="es-CL" sz="1000" dirty="0" err="1"/>
@@ -23164,15 +21434,15 @@
                       <a:endParaRPr lang="es-CL" sz="1000" dirty="0"/>
                     </a:p>
                     <a:p>
-                      <a:pPr marL="628650" lvl="0" indent="-171450" algn="l" rtl="0">
+                      <a:pPr marL="685800" lvl="0" indent="-228600" algn="l" rtl="0">
                         <a:spcBef>
                           <a:spcPts val="0"/>
                         </a:spcBef>
                         <a:spcAft>
                           <a:spcPts val="0"/>
                         </a:spcAft>
-                        <a:buFont typeface="Arial" panose="020B0604020202020204" pitchFamily="34" charset="0"/>
-                        <a:buChar char="•"/>
+                        <a:buFont typeface="+mj-lt"/>
+                        <a:buAutoNum type="arabicPeriod"/>
                       </a:pPr>
                       <a:endParaRPr sz="1200" dirty="0"/>
                     </a:p>
@@ -23224,15 +21494,15 @@
                     <a:bodyPr/>
                     <a:lstStyle/>
                     <a:p>
-                      <a:pPr marL="742950" lvl="0" indent="-285750" algn="l" rtl="0">
+                      <a:pPr marL="285750" lvl="0" indent="-285750" algn="l" rtl="0">
                         <a:spcBef>
                           <a:spcPts val="0"/>
                         </a:spcBef>
                         <a:spcAft>
                           <a:spcPts val="0"/>
                         </a:spcAft>
-                        <a:buFont typeface="Arial" panose="020B0604020202020204" pitchFamily="34" charset="0"/>
-                        <a:buChar char="•"/>
+                        <a:buFont typeface="+mj-lt"/>
+                        <a:buAutoNum type="arabicPeriod"/>
                       </a:pPr>
                       <a:r>
                         <a:rPr lang="es-CL" sz="1000" dirty="0" err="1"/>
@@ -23268,15 +21538,15 @@
                       </a:r>
                     </a:p>
                     <a:p>
-                      <a:pPr marL="742950" lvl="0" indent="-285750" algn="l" rtl="0">
+                      <a:pPr marL="285750" lvl="0" indent="-285750" algn="l" rtl="0">
                         <a:spcBef>
                           <a:spcPts val="0"/>
                         </a:spcBef>
                         <a:spcAft>
                           <a:spcPts val="0"/>
                         </a:spcAft>
-                        <a:buFont typeface="Arial" panose="020B0604020202020204" pitchFamily="34" charset="0"/>
-                        <a:buChar char="•"/>
+                        <a:buFont typeface="+mj-lt"/>
+                        <a:buAutoNum type="arabicPeriod"/>
                       </a:pPr>
                       <a:r>
                         <a:rPr lang="es-CL" sz="1000" dirty="0" err="1"/>
@@ -23352,15 +21622,15 @@
                       </a:r>
                     </a:p>
                     <a:p>
-                      <a:pPr marL="742950" lvl="0" indent="-285750" algn="l" rtl="0">
+                      <a:pPr marL="285750" lvl="0" indent="-285750" algn="l" rtl="0">
                         <a:spcBef>
                           <a:spcPts val="0"/>
                         </a:spcBef>
                         <a:spcAft>
                           <a:spcPts val="0"/>
                         </a:spcAft>
-                        <a:buFont typeface="Arial" panose="020B0604020202020204" pitchFamily="34" charset="0"/>
-                        <a:buChar char="•"/>
+                        <a:buFont typeface="+mj-lt"/>
+                        <a:buAutoNum type="arabicPeriod"/>
                       </a:pPr>
                       <a:r>
                         <a:rPr lang="es-CL" sz="1000" dirty="0" err="1"/>
@@ -23983,7 +22253,7 @@
                         <a:t>to</a:t>
                       </a:r>
                       <a:r>
-                        <a:rPr lang="es-CL" sz="1000">
+                        <a:rPr lang="es-CL" sz="1000" dirty="0">
                           <a:solidFill>
                             <a:schemeClr val="dk1"/>
                           </a:solidFill>
@@ -24053,7 +22323,13 @@
         <p:nvGraphicFramePr>
           <p:cNvPr id="109" name="Google Shape;109;p20"/>
           <p:cNvGraphicFramePr/>
-          <p:nvPr/>
+          <p:nvPr>
+            <p:extLst>
+              <p:ext uri="{D42A27DB-BD31-4B8C-83A1-F6EECF244321}">
+                <p14:modId xmlns:p14="http://schemas.microsoft.com/office/powerpoint/2010/main" val="766907628"/>
+              </p:ext>
+            </p:extLst>
+          </p:nvPr>
         </p:nvGraphicFramePr>
         <p:xfrm>
           <a:off x="247388" y="2763175"/>
@@ -24119,14 +22395,14 @@
                         <a:buNone/>
                       </a:pPr>
                       <a:r>
-                        <a:rPr lang="en" sz="1200" i="1">
+                        <a:rPr lang="en" sz="1050" i="1">
                           <a:solidFill>
                             <a:srgbClr val="F9CB9C"/>
                           </a:solidFill>
                         </a:rPr>
                         <a:t>Name</a:t>
                       </a:r>
-                      <a:endParaRPr sz="1200" i="1">
+                      <a:endParaRPr sz="1050" i="1">
                         <a:solidFill>
                           <a:srgbClr val="F9CB9C"/>
                         </a:solidFill>
@@ -24190,14 +22466,14 @@
                         <a:buNone/>
                       </a:pPr>
                       <a:r>
-                        <a:rPr lang="en" sz="1200" i="1">
+                        <a:rPr lang="en" sz="1050" i="1">
                           <a:solidFill>
                             <a:srgbClr val="F9CB9C"/>
                           </a:solidFill>
                         </a:rPr>
                         <a:t>Strength</a:t>
                       </a:r>
-                      <a:endParaRPr sz="1200" i="1">
+                      <a:endParaRPr sz="1050" i="1">
                         <a:solidFill>
                           <a:srgbClr val="F9CB9C"/>
                         </a:solidFill>
@@ -24261,14 +22537,14 @@
                         <a:buNone/>
                       </a:pPr>
                       <a:r>
-                        <a:rPr lang="en" sz="1200" i="1">
+                        <a:rPr lang="en" sz="1050" i="1">
                           <a:solidFill>
                             <a:srgbClr val="F9CB9C"/>
                           </a:solidFill>
                         </a:rPr>
                         <a:t>Area for improvement</a:t>
                       </a:r>
-                      <a:endParaRPr sz="1200" i="1">
+                      <a:endParaRPr sz="1050" i="1">
                         <a:solidFill>
                           <a:srgbClr val="F9CB9C"/>
                         </a:solidFill>
@@ -24332,14 +22608,14 @@
                         <a:buNone/>
                       </a:pPr>
                       <a:r>
-                        <a:rPr lang="en" sz="1200" i="1">
+                        <a:rPr lang="en" sz="1050" i="1">
                           <a:solidFill>
                             <a:srgbClr val="F9CB9C"/>
                           </a:solidFill>
                         </a:rPr>
                         <a:t>Commitment</a:t>
                       </a:r>
-                      <a:endParaRPr sz="1200" i="1">
+                      <a:endParaRPr sz="1050" i="1">
                         <a:solidFill>
                           <a:srgbClr val="F9CB9C"/>
                         </a:solidFill>
@@ -24403,14 +22679,14 @@
                         <a:buNone/>
                       </a:pPr>
                       <a:r>
-                        <a:rPr lang="en" sz="1200" i="1">
+                        <a:rPr lang="en" sz="1050" i="1">
                           <a:solidFill>
                             <a:srgbClr val="F9CB9C"/>
                           </a:solidFill>
                         </a:rPr>
                         <a:t>Metric</a:t>
                       </a:r>
-                      <a:endParaRPr sz="1200" i="1">
+                      <a:endParaRPr sz="1050" i="1">
                         <a:solidFill>
                           <a:srgbClr val="F9CB9C"/>
                         </a:solidFill>
@@ -24480,7 +22756,15 @@
                         </a:spcAft>
                         <a:buNone/>
                       </a:pPr>
-                      <a:endParaRPr dirty="0"/>
+                      <a:r>
+                        <a:rPr lang="en-US" sz="1050" dirty="0"/>
+                        <a:t>Mikio </a:t>
+                      </a:r>
+                      <a:r>
+                        <a:rPr lang="en-US" sz="1050" dirty="0" err="1"/>
+                        <a:t>LaCapra</a:t>
+                      </a:r>
+                      <a:endParaRPr sz="1050" dirty="0"/>
                     </a:p>
                   </a:txBody>
                   <a:tcPr marL="91425" marR="91425" marT="91425" marB="91425">
@@ -24530,16 +22814,73 @@
                     <a:bodyPr/>
                     <a:lstStyle/>
                     <a:p>
-                      <a:pPr marL="457200" lvl="0" indent="0" algn="l" rtl="0">
+                      <a:pPr marL="228600" lvl="0" indent="-228600" algn="l" rtl="0">
                         <a:spcBef>
                           <a:spcPts val="0"/>
                         </a:spcBef>
                         <a:spcAft>
                           <a:spcPts val="0"/>
                         </a:spcAft>
-                        <a:buNone/>
+                        <a:buFont typeface="+mj-lt"/>
+                        <a:buAutoNum type="arabicPeriod"/>
                       </a:pPr>
-                      <a:endParaRPr dirty="0"/>
+                      <a:r>
+                        <a:rPr lang="en-US" sz="1050" dirty="0"/>
+                        <a:t>Communication with team (email, text as the </a:t>
+                      </a:r>
+                      <a:r>
+                        <a:rPr lang="en-US" sz="1050" dirty="0" err="1"/>
+                        <a:t>POC</a:t>
+                      </a:r>
+                      <a:r>
+                        <a:rPr lang="en-US" sz="1050" dirty="0"/>
+                        <a:t>)</a:t>
+                      </a:r>
+                    </a:p>
+                    <a:p>
+                      <a:pPr marL="228600" lvl="0" indent="-228600" algn="l" rtl="0">
+                        <a:spcBef>
+                          <a:spcPts val="0"/>
+                        </a:spcBef>
+                        <a:spcAft>
+                          <a:spcPts val="0"/>
+                        </a:spcAft>
+                        <a:buFont typeface="+mj-lt"/>
+                        <a:buAutoNum type="arabicPeriod"/>
+                      </a:pPr>
+                      <a:r>
+                        <a:rPr lang="en-US" sz="1050" dirty="0"/>
+                        <a:t>Support of teammates (collaboration, encouragement, initiative)</a:t>
+                      </a:r>
+                    </a:p>
+                    <a:p>
+                      <a:pPr marL="228600" lvl="0" indent="-228600" algn="l" rtl="0">
+                        <a:spcBef>
+                          <a:spcPts val="0"/>
+                        </a:spcBef>
+                        <a:spcAft>
+                          <a:spcPts val="0"/>
+                        </a:spcAft>
+                        <a:buFont typeface="+mj-lt"/>
+                        <a:buAutoNum type="arabicPeriod"/>
+                      </a:pPr>
+                      <a:r>
+                        <a:rPr lang="en-US" sz="1050" dirty="0"/>
+                        <a:t>Understanding approaches (curiosity, understanding when switch is needed)</a:t>
+                      </a:r>
+                    </a:p>
+                    <a:p>
+                      <a:pPr marL="228600" lvl="0" indent="-228600" algn="l" rtl="0">
+                        <a:spcBef>
+                          <a:spcPts val="0"/>
+                        </a:spcBef>
+                        <a:spcAft>
+                          <a:spcPts val="0"/>
+                        </a:spcAft>
+                        <a:buFont typeface="+mj-lt"/>
+                        <a:buAutoNum type="arabicPeriod"/>
+                      </a:pPr>
+                      <a:endParaRPr sz="1050" dirty="0"/>
                     </a:p>
                   </a:txBody>
                   <a:tcPr marL="91425" marR="91425" marT="91425" marB="91425">
@@ -24589,16 +22930,53 @@
                     <a:bodyPr/>
                     <a:lstStyle/>
                     <a:p>
-                      <a:pPr marL="457200" lvl="0" indent="0" algn="l" rtl="0">
+                      <a:pPr marL="285750" lvl="0" indent="-228600" algn="l" rtl="0">
                         <a:spcBef>
                           <a:spcPts val="0"/>
                         </a:spcBef>
                         <a:spcAft>
                           <a:spcPts val="0"/>
                         </a:spcAft>
-                        <a:buNone/>
+                        <a:buFont typeface="+mj-lt"/>
+                        <a:buAutoNum type="arabicPeriod"/>
                       </a:pPr>
-                      <a:endParaRPr dirty="0"/>
+                      <a:r>
+                        <a:rPr lang="en-US" sz="1050" dirty="0"/>
+                        <a:t>Focus (changing direction, aligning vision with team)</a:t>
+                      </a:r>
+                    </a:p>
+                    <a:p>
+                      <a:pPr marL="285750" lvl="0" indent="-228600" algn="l" rtl="0">
+                        <a:spcBef>
+                          <a:spcPts val="0"/>
+                        </a:spcBef>
+                        <a:spcAft>
+                          <a:spcPts val="0"/>
+                        </a:spcAft>
+                        <a:buFont typeface="+mj-lt"/>
+                        <a:buAutoNum type="arabicPeriod"/>
+                      </a:pPr>
+                      <a:r>
+                        <a:rPr lang="en-US" sz="1050" dirty="0"/>
+                        <a:t>Productivity (making steady progress towards goal, instead of intermittent bursts)</a:t>
+                      </a:r>
+                    </a:p>
+                    <a:p>
+                      <a:pPr marL="285750" lvl="0" indent="-228600" algn="l" rtl="0">
+                        <a:spcBef>
+                          <a:spcPts val="0"/>
+                        </a:spcBef>
+                        <a:spcAft>
+                          <a:spcPts val="0"/>
+                        </a:spcAft>
+                        <a:buFont typeface="+mj-lt"/>
+                        <a:buAutoNum type="arabicPeriod"/>
+                      </a:pPr>
+                      <a:r>
+                        <a:rPr lang="en-US" sz="1050" dirty="0"/>
+                        <a:t>Asking for help (supporting my own efforts and recognizing cross efforts)</a:t>
+                      </a:r>
+                      <a:endParaRPr sz="1050" dirty="0"/>
                     </a:p>
                   </a:txBody>
                   <a:tcPr marL="91425" marR="91425" marT="91425" marB="91425">
@@ -24648,16 +23026,21 @@
                     <a:bodyPr/>
                     <a:lstStyle/>
                     <a:p>
-                      <a:pPr marL="0" lvl="0" indent="0" algn="l" rtl="0">
+                      <a:pPr marL="171450" lvl="0" indent="-171450" algn="l" rtl="0">
                         <a:spcBef>
                           <a:spcPts val="0"/>
                         </a:spcBef>
                         <a:spcAft>
                           <a:spcPts val="0"/>
                         </a:spcAft>
-                        <a:buNone/>
+                        <a:buFont typeface="Arial" panose="020B0604020202020204" pitchFamily="34" charset="0"/>
+                        <a:buChar char="•"/>
                       </a:pPr>
-                      <a:endParaRPr sz="1200" dirty="0"/>
+                      <a:r>
+                        <a:rPr lang="en-US" sz="1050" dirty="0"/>
+                        <a:t>Transfer coding skills to python and explain the physics and simulation models for all members to understand. </a:t>
+                      </a:r>
+                      <a:endParaRPr sz="1050" dirty="0"/>
                     </a:p>
                   </a:txBody>
                   <a:tcPr marL="91425" marR="91425" marT="91425" marB="91425">
@@ -24707,16 +23090,25 @@
                     <a:bodyPr/>
                     <a:lstStyle/>
                     <a:p>
-                      <a:pPr marL="0" lvl="0" indent="0" algn="l" rtl="0">
+                      <a:pPr marL="171450" lvl="0" indent="-171450" algn="l" rtl="0">
                         <a:spcBef>
                           <a:spcPts val="0"/>
                         </a:spcBef>
                         <a:spcAft>
                           <a:spcPts val="0"/>
                         </a:spcAft>
-                        <a:buNone/>
+                        <a:buFont typeface="Arial" panose="020B0604020202020204" pitchFamily="34" charset="0"/>
+                        <a:buChar char="•"/>
                       </a:pPr>
-                      <a:endParaRPr sz="1200" dirty="0">
+                      <a:r>
+                        <a:rPr lang="en-US" sz="1050" dirty="0">
+                          <a:solidFill>
+                            <a:schemeClr val="dk1"/>
+                          </a:solidFill>
+                        </a:rPr>
+                        <a:t>Team progress to finishing the second part of the code.</a:t>
+                      </a:r>
+                      <a:endParaRPr sz="1050" dirty="0">
                         <a:solidFill>
                           <a:schemeClr val="dk1"/>
                         </a:solidFill>
@@ -24956,7 +23348,7 @@
         </p:nvGraphicFramePr>
         <p:xfrm>
           <a:off x="247388" y="476550"/>
-          <a:ext cx="3000000" cy="3000000"/>
+          <a:ext cx="8442425" cy="2286625"/>
         </p:xfrm>
         <a:graphic>
           <a:graphicData uri="http://schemas.openxmlformats.org/drawingml/2006/table">
@@ -25682,7 +24074,7 @@
         </p:nvGraphicFramePr>
         <p:xfrm>
           <a:off x="247388" y="2763175"/>
-          <a:ext cx="3000000" cy="3000000"/>
+          <a:ext cx="8442425" cy="2286625"/>
         </p:xfrm>
         <a:graphic>
           <a:graphicData uri="http://schemas.openxmlformats.org/drawingml/2006/table">
